--- a/docs/part1ca/11_Caches/CA_Lecture_11.pptx
+++ b/docs/part1ca/11_Caches/CA_Lecture_11.pptx
@@ -5,10 +5,10 @@
     <p:sldMasterId id="2147483648" r:id="rId1"/>
   </p:sldMasterIdLst>
   <p:notesMasterIdLst>
-    <p:notesMasterId r:id="rId21"/>
+    <p:notesMasterId r:id="rId31"/>
   </p:notesMasterIdLst>
   <p:handoutMasterIdLst>
-    <p:handoutMasterId r:id="rId22"/>
+    <p:handoutMasterId r:id="rId32"/>
   </p:handoutMasterIdLst>
   <p:sldIdLst>
     <p:sldId id="256" r:id="rId2"/>
@@ -19,17 +19,27 @@
     <p:sldId id="378" r:id="rId7"/>
     <p:sldId id="379" r:id="rId8"/>
     <p:sldId id="380" r:id="rId9"/>
-    <p:sldId id="381" r:id="rId10"/>
-    <p:sldId id="382" r:id="rId11"/>
-    <p:sldId id="383" r:id="rId12"/>
-    <p:sldId id="384" r:id="rId13"/>
-    <p:sldId id="385" r:id="rId14"/>
-    <p:sldId id="386" r:id="rId15"/>
-    <p:sldId id="387" r:id="rId16"/>
-    <p:sldId id="388" r:id="rId17"/>
-    <p:sldId id="389" r:id="rId18"/>
-    <p:sldId id="390" r:id="rId19"/>
-    <p:sldId id="272" r:id="rId20"/>
+    <p:sldId id="396" r:id="rId10"/>
+    <p:sldId id="397" r:id="rId11"/>
+    <p:sldId id="381" r:id="rId12"/>
+    <p:sldId id="382" r:id="rId13"/>
+    <p:sldId id="383" r:id="rId14"/>
+    <p:sldId id="384" r:id="rId15"/>
+    <p:sldId id="385" r:id="rId16"/>
+    <p:sldId id="386" r:id="rId17"/>
+    <p:sldId id="387" r:id="rId18"/>
+    <p:sldId id="388" r:id="rId19"/>
+    <p:sldId id="389" r:id="rId20"/>
+    <p:sldId id="390" r:id="rId21"/>
+    <p:sldId id="391" r:id="rId22"/>
+    <p:sldId id="392" r:id="rId23"/>
+    <p:sldId id="393" r:id="rId24"/>
+    <p:sldId id="395" r:id="rId25"/>
+    <p:sldId id="394" r:id="rId26"/>
+    <p:sldId id="398" r:id="rId27"/>
+    <p:sldId id="399" r:id="rId28"/>
+    <p:sldId id="400" r:id="rId29"/>
+    <p:sldId id="272" r:id="rId30"/>
   </p:sldIdLst>
   <p:sldSz cx="12192000" cy="6858000"/>
   <p:notesSz cx="6858000" cy="9144000"/>
@@ -917,7 +927,7 @@
             <a:fld id="{5583B3A5-99BF-45D9-956B-DC57CC23AD97}" type="slidenum">
               <a:rPr lang="ru-RU" smtClean="0"/>
               <a:pPr/>
-              <a:t>19</a:t>
+              <a:t>29</a:t>
             </a:fld>
             <a:endParaRPr lang="ru-RU"/>
           </a:p>
@@ -4263,6 +4273,464 @@
         <p:spPr>
           <a:xfrm>
             <a:off x="838200" y="1178053"/>
+            <a:ext cx="10477500" cy="4997896"/>
+          </a:xfrm>
+        </p:spPr>
+        <p:txBody>
+          <a:bodyPr/>
+          <a:lstStyle/>
+          <a:p>
+            <a:pPr>
+              <a:lnSpc>
+                <a:spcPct val="150000"/>
+              </a:lnSpc>
+              <a:spcBef>
+                <a:spcPts val="3600"/>
+              </a:spcBef>
+            </a:pPr>
+            <a:r>
+              <a:rPr lang="en-US" b="1" dirty="0" smtClean="0">
+                <a:solidFill>
+                  <a:srgbClr val="F3B217"/>
+                </a:solidFill>
+              </a:rPr>
+              <a:t>Compulsory</a:t>
+            </a:r>
+            <a:r>
+              <a:rPr lang="en-US" dirty="0" smtClean="0"/>
+              <a:t>: first time data accessed</a:t>
+            </a:r>
+          </a:p>
+          <a:p>
+            <a:pPr>
+              <a:lnSpc>
+                <a:spcPct val="150000"/>
+              </a:lnSpc>
+              <a:spcBef>
+                <a:spcPts val="3600"/>
+              </a:spcBef>
+            </a:pPr>
+            <a:r>
+              <a:rPr lang="en-US" b="1" dirty="0" smtClean="0">
+                <a:solidFill>
+                  <a:srgbClr val="F3B217"/>
+                </a:solidFill>
+              </a:rPr>
+              <a:t>Capacity</a:t>
+            </a:r>
+            <a:r>
+              <a:rPr lang="en-US" dirty="0" smtClean="0"/>
+              <a:t>: cache too small to hold all data of interest</a:t>
+            </a:r>
+          </a:p>
+          <a:p>
+            <a:pPr>
+              <a:lnSpc>
+                <a:spcPct val="150000"/>
+              </a:lnSpc>
+              <a:spcBef>
+                <a:spcPts val="3600"/>
+              </a:spcBef>
+            </a:pPr>
+            <a:r>
+              <a:rPr lang="en-US" b="1" dirty="0" smtClean="0">
+                <a:solidFill>
+                  <a:srgbClr val="F3B217"/>
+                </a:solidFill>
+              </a:rPr>
+              <a:t>Conflict</a:t>
+            </a:r>
+            <a:r>
+              <a:rPr lang="en-US" dirty="0" smtClean="0"/>
+              <a:t>: data of interest maps to </a:t>
+            </a:r>
+            <a:r>
+              <a:rPr lang="en-US" dirty="0" smtClean="0"/>
+              <a:t>a location </a:t>
+            </a:r>
+            <a:r>
+              <a:rPr lang="en-US" dirty="0" smtClean="0"/>
+              <a:t>in </a:t>
+            </a:r>
+            <a:r>
+              <a:rPr lang="en-US" dirty="0" smtClean="0"/>
+              <a:t>cache mapped to different data</a:t>
+            </a:r>
+            <a:endParaRPr lang="en-US" dirty="0" smtClean="0"/>
+          </a:p>
+          <a:p>
+            <a:endParaRPr lang="ru-RU" dirty="0"/>
+          </a:p>
+        </p:txBody>
+      </p:sp>
+      <p:sp>
+        <p:nvSpPr>
+          <p:cNvPr id="3" name="Номер слайда 2"/>
+          <p:cNvSpPr>
+            <a:spLocks noGrp="1"/>
+          </p:cNvSpPr>
+          <p:nvPr>
+            <p:ph type="sldNum" sz="quarter" idx="12"/>
+          </p:nvPr>
+        </p:nvSpPr>
+        <p:spPr/>
+        <p:txBody>
+          <a:bodyPr/>
+          <a:lstStyle/>
+          <a:p>
+            <a:pPr algn="ctr"/>
+            <a:fld id="{1397BFD8-F312-4EF2-A268-44FB4BDDBBB0}" type="slidenum">
+              <a:rPr lang="ru-RU" smtClean="0"/>
+              <a:pPr algn="ctr"/>
+              <a:t>10</a:t>
+            </a:fld>
+            <a:endParaRPr lang="ru-RU" dirty="0"/>
+          </a:p>
+        </p:txBody>
+      </p:sp>
+      <p:sp>
+        <p:nvSpPr>
+          <p:cNvPr id="4" name="Заголовок 3"/>
+          <p:cNvSpPr>
+            <a:spLocks noGrp="1"/>
+          </p:cNvSpPr>
+          <p:nvPr>
+            <p:ph type="title"/>
+          </p:nvPr>
+        </p:nvSpPr>
+        <p:spPr/>
+        <p:txBody>
+          <a:bodyPr/>
+          <a:lstStyle/>
+          <a:p>
+            <a:r>
+              <a:rPr lang="en-US" dirty="0" smtClean="0"/>
+              <a:t>Miss Types</a:t>
+            </a:r>
+            <a:endParaRPr lang="ru-RU" dirty="0"/>
+          </a:p>
+        </p:txBody>
+      </p:sp>
+    </p:spTree>
+  </p:cSld>
+  <p:clrMapOvr>
+    <a:masterClrMapping/>
+  </p:clrMapOvr>
+  <p:timing>
+    <p:tnLst>
+      <p:par>
+        <p:cTn id="1" dur="indefinite" restart="never" nodeType="tmRoot"/>
+      </p:par>
+    </p:tnLst>
+  </p:timing>
+</p:sld>
+</file>
+
+<file path=ppt/slides/slide11.xml><?xml version="1.0" encoding="utf-8"?>
+<p:sld xmlns:a="http://schemas.openxmlformats.org/drawingml/2006/main" xmlns:r="http://schemas.openxmlformats.org/officeDocument/2006/relationships" xmlns:p="http://schemas.openxmlformats.org/presentationml/2006/main">
+  <p:cSld>
+    <p:spTree>
+      <p:nvGrpSpPr>
+        <p:cNvPr id="1" name=""/>
+        <p:cNvGrpSpPr/>
+        <p:nvPr/>
+      </p:nvGrpSpPr>
+      <p:grpSpPr>
+        <a:xfrm>
+          <a:off x="0" y="0"/>
+          <a:ext cx="0" cy="0"/>
+          <a:chOff x="0" y="0"/>
+          <a:chExt cx="0" cy="0"/>
+        </a:xfrm>
+      </p:grpSpPr>
+      <p:sp>
+        <p:nvSpPr>
+          <p:cNvPr id="2" name="Содержимое 1"/>
+          <p:cNvSpPr>
+            <a:spLocks noGrp="1"/>
+          </p:cNvSpPr>
+          <p:nvPr>
+            <p:ph idx="1"/>
+          </p:nvPr>
+        </p:nvSpPr>
+        <p:spPr>
+          <a:xfrm>
+            <a:off x="749300" y="1178052"/>
+            <a:ext cx="11049000" cy="5451348"/>
+          </a:xfrm>
+        </p:spPr>
+        <p:txBody>
+          <a:bodyPr>
+            <a:normAutofit fontScale="92500"/>
+          </a:bodyPr>
+          <a:lstStyle/>
+          <a:p>
+            <a:pPr>
+              <a:lnSpc>
+                <a:spcPct val="100000"/>
+              </a:lnSpc>
+              <a:spcBef>
+                <a:spcPts val="1800"/>
+              </a:spcBef>
+            </a:pPr>
+            <a:r>
+              <a:rPr lang="en-US" b="1" dirty="0" smtClean="0"/>
+              <a:t>Hit</a:t>
+            </a:r>
+            <a:r>
+              <a:rPr lang="en-US" dirty="0" smtClean="0"/>
+              <a:t>: data found in that level of memory hierarchy</a:t>
+            </a:r>
+          </a:p>
+          <a:p>
+            <a:pPr>
+              <a:lnSpc>
+                <a:spcPct val="100000"/>
+              </a:lnSpc>
+              <a:spcBef>
+                <a:spcPts val="1800"/>
+              </a:spcBef>
+            </a:pPr>
+            <a:r>
+              <a:rPr lang="en-US" b="1" dirty="0" smtClean="0"/>
+              <a:t>Miss</a:t>
+            </a:r>
+            <a:r>
+              <a:rPr lang="en-US" dirty="0" smtClean="0"/>
+              <a:t>: data not found (must go to next level)</a:t>
+            </a:r>
+          </a:p>
+          <a:p>
+            <a:pPr lvl="1">
+              <a:lnSpc>
+                <a:spcPct val="100000"/>
+              </a:lnSpc>
+              <a:spcBef>
+                <a:spcPts val="1800"/>
+              </a:spcBef>
+            </a:pPr>
+            <a:r>
+              <a:rPr lang="en-US" sz="3600" b="1" dirty="0" smtClean="0"/>
+              <a:t> Hit Rate    </a:t>
+            </a:r>
+            <a:r>
+              <a:rPr lang="en-US" sz="3600" dirty="0" smtClean="0"/>
+              <a:t>= # hits / # memory accesses      = 1 – Miss Rate</a:t>
+            </a:r>
+          </a:p>
+          <a:p>
+            <a:pPr lvl="1">
+              <a:lnSpc>
+                <a:spcPct val="100000"/>
+              </a:lnSpc>
+              <a:spcBef>
+                <a:spcPts val="1800"/>
+              </a:spcBef>
+            </a:pPr>
+            <a:r>
+              <a:rPr lang="en-US" sz="3600" dirty="0" smtClean="0"/>
+              <a:t> </a:t>
+            </a:r>
+            <a:r>
+              <a:rPr lang="en-US" sz="3600" b="1" dirty="0" smtClean="0"/>
+              <a:t>Miss Rate </a:t>
+            </a:r>
+            <a:r>
+              <a:rPr lang="en-US" sz="3600" dirty="0" smtClean="0"/>
+              <a:t>= # misses / # memory accesses = 1 – Hit Rate</a:t>
+            </a:r>
+          </a:p>
+          <a:p>
+            <a:pPr>
+              <a:lnSpc>
+                <a:spcPct val="100000"/>
+              </a:lnSpc>
+              <a:spcBef>
+                <a:spcPts val="1800"/>
+              </a:spcBef>
+            </a:pPr>
+            <a:r>
+              <a:rPr lang="en-US" b="1" dirty="0" smtClean="0"/>
+              <a:t>Average memory access time (AMAT): </a:t>
+            </a:r>
+            <a:r>
+              <a:rPr lang="en-US" dirty="0" smtClean="0"/>
+              <a:t>average time for processor to access data</a:t>
+            </a:r>
+          </a:p>
+          <a:p>
+            <a:pPr lvl="1">
+              <a:lnSpc>
+                <a:spcPct val="100000"/>
+              </a:lnSpc>
+              <a:spcBef>
+                <a:spcPts val="1800"/>
+              </a:spcBef>
+            </a:pPr>
+            <a:r>
+              <a:rPr lang="en-US" dirty="0" smtClean="0"/>
+              <a:t>	</a:t>
+            </a:r>
+            <a:r>
+              <a:rPr lang="en-US" sz="3600" b="1" dirty="0" smtClean="0"/>
+              <a:t>AMAT</a:t>
+            </a:r>
+            <a:r>
+              <a:rPr lang="en-US" sz="3600" dirty="0" smtClean="0"/>
+              <a:t> = </a:t>
+            </a:r>
+            <a:r>
+              <a:rPr lang="en-US" sz="3600" dirty="0" err="1" smtClean="0"/>
+              <a:t>t</a:t>
+            </a:r>
+            <a:r>
+              <a:rPr lang="en-US" sz="3600" baseline="-25000" dirty="0" err="1" smtClean="0"/>
+              <a:t>cache</a:t>
+            </a:r>
+            <a:r>
+              <a:rPr lang="en-US" sz="3600" dirty="0" smtClean="0"/>
+              <a:t> + </a:t>
+            </a:r>
+            <a:r>
+              <a:rPr lang="en-US" sz="3600" dirty="0" err="1" smtClean="0"/>
+              <a:t>MR</a:t>
+            </a:r>
+            <a:r>
+              <a:rPr lang="en-US" sz="3600" baseline="-25000" dirty="0" err="1" smtClean="0"/>
+              <a:t>cache</a:t>
+            </a:r>
+            <a:r>
+              <a:rPr lang="en-US" sz="3600" dirty="0" smtClean="0"/>
+              <a:t>[</a:t>
+            </a:r>
+            <a:r>
+              <a:rPr lang="en-US" sz="3600" dirty="0" err="1" smtClean="0"/>
+              <a:t>t</a:t>
+            </a:r>
+            <a:r>
+              <a:rPr lang="en-US" sz="3600" baseline="-25000" dirty="0" err="1" smtClean="0"/>
+              <a:t>MM</a:t>
+            </a:r>
+            <a:r>
+              <a:rPr lang="en-US" sz="3600" dirty="0" smtClean="0"/>
+              <a:t> + MR</a:t>
+            </a:r>
+            <a:r>
+              <a:rPr lang="en-US" sz="3600" baseline="-25000" dirty="0" smtClean="0"/>
+              <a:t>MM</a:t>
+            </a:r>
+            <a:r>
+              <a:rPr lang="en-US" sz="3600" dirty="0" smtClean="0"/>
+              <a:t>(</a:t>
+            </a:r>
+            <a:r>
+              <a:rPr lang="en-US" sz="3600" dirty="0" err="1" smtClean="0"/>
+              <a:t>t</a:t>
+            </a:r>
+            <a:r>
+              <a:rPr lang="en-US" sz="3600" baseline="-25000" dirty="0" err="1" smtClean="0"/>
+              <a:t>VM</a:t>
+            </a:r>
+            <a:r>
+              <a:rPr lang="en-US" sz="3600" dirty="0" smtClean="0"/>
+              <a:t>)]</a:t>
+            </a:r>
+          </a:p>
+        </p:txBody>
+      </p:sp>
+      <p:sp>
+        <p:nvSpPr>
+          <p:cNvPr id="3" name="Номер слайда 2"/>
+          <p:cNvSpPr>
+            <a:spLocks noGrp="1"/>
+          </p:cNvSpPr>
+          <p:nvPr>
+            <p:ph type="sldNum" sz="quarter" idx="12"/>
+          </p:nvPr>
+        </p:nvSpPr>
+        <p:spPr/>
+        <p:txBody>
+          <a:bodyPr/>
+          <a:lstStyle/>
+          <a:p>
+            <a:pPr algn="ctr"/>
+            <a:fld id="{1397BFD8-F312-4EF2-A268-44FB4BDDBBB0}" type="slidenum">
+              <a:rPr lang="ru-RU" smtClean="0"/>
+              <a:pPr algn="ctr"/>
+              <a:t>11</a:t>
+            </a:fld>
+            <a:endParaRPr lang="ru-RU" dirty="0"/>
+          </a:p>
+        </p:txBody>
+      </p:sp>
+      <p:sp>
+        <p:nvSpPr>
+          <p:cNvPr id="4" name="Заголовок 3"/>
+          <p:cNvSpPr>
+            <a:spLocks noGrp="1"/>
+          </p:cNvSpPr>
+          <p:nvPr>
+            <p:ph type="title"/>
+          </p:nvPr>
+        </p:nvSpPr>
+        <p:spPr/>
+        <p:txBody>
+          <a:bodyPr/>
+          <a:lstStyle/>
+          <a:p>
+            <a:r>
+              <a:rPr lang="en-US" dirty="0" smtClean="0"/>
+              <a:t>Memory Performance</a:t>
+            </a:r>
+            <a:endParaRPr lang="ru-RU" dirty="0"/>
+          </a:p>
+        </p:txBody>
+      </p:sp>
+    </p:spTree>
+  </p:cSld>
+  <p:clrMapOvr>
+    <a:masterClrMapping/>
+  </p:clrMapOvr>
+  <p:timing>
+    <p:tnLst>
+      <p:par>
+        <p:cTn id="1" dur="indefinite" restart="never" nodeType="tmRoot"/>
+      </p:par>
+    </p:tnLst>
+  </p:timing>
+</p:sld>
+</file>
+
+<file path=ppt/slides/slide12.xml><?xml version="1.0" encoding="utf-8"?>
+<p:sld xmlns:a="http://schemas.openxmlformats.org/drawingml/2006/main" xmlns:r="http://schemas.openxmlformats.org/officeDocument/2006/relationships" xmlns:p="http://schemas.openxmlformats.org/presentationml/2006/main">
+  <p:cSld>
+    <p:spTree>
+      <p:nvGrpSpPr>
+        <p:cNvPr id="1" name=""/>
+        <p:cNvGrpSpPr/>
+        <p:nvPr/>
+      </p:nvGrpSpPr>
+      <p:grpSpPr>
+        <a:xfrm>
+          <a:off x="0" y="0"/>
+          <a:ext cx="0" cy="0"/>
+          <a:chOff x="0" y="0"/>
+          <a:chExt cx="0" cy="0"/>
+        </a:xfrm>
+      </p:grpSpPr>
+      <p:sp>
+        <p:nvSpPr>
+          <p:cNvPr id="2" name="Содержимое 1"/>
+          <p:cNvSpPr>
+            <a:spLocks noGrp="1"/>
+          </p:cNvSpPr>
+          <p:nvPr>
+            <p:ph idx="1"/>
+          </p:nvPr>
+        </p:nvSpPr>
+        <p:spPr>
+          <a:xfrm>
+            <a:off x="838200" y="1178053"/>
             <a:ext cx="10515600" cy="1908047"/>
           </a:xfrm>
         </p:spPr>
@@ -4334,7 +4802,7 @@
             <a:fld id="{1397BFD8-F312-4EF2-A268-44FB4BDDBBB0}" type="slidenum">
               <a:rPr lang="ru-RU" smtClean="0"/>
               <a:pPr algn="ctr"/>
-              <a:t>10</a:t>
+              <a:t>12</a:t>
             </a:fld>
             <a:endParaRPr lang="ru-RU" dirty="0"/>
           </a:p>
@@ -4497,10 +4965,17 @@
   <p:clrMapOvr>
     <a:masterClrMapping/>
   </p:clrMapOvr>
+  <p:timing>
+    <p:tnLst>
+      <p:par>
+        <p:cTn id="1" dur="indefinite" restart="never" nodeType="tmRoot"/>
+      </p:par>
+    </p:tnLst>
+  </p:timing>
 </p:sld>
 </file>
 
-<file path=ppt/slides/slide11.xml><?xml version="1.0" encoding="utf-8"?>
+<file path=ppt/slides/slide13.xml><?xml version="1.0" encoding="utf-8"?>
 <p:sld xmlns:a="http://schemas.openxmlformats.org/drawingml/2006/main" xmlns:r="http://schemas.openxmlformats.org/officeDocument/2006/relationships" xmlns:p="http://schemas.openxmlformats.org/presentationml/2006/main">
   <p:cSld>
     <p:spTree>
@@ -4595,7 +5070,7 @@
             <a:fld id="{1397BFD8-F312-4EF2-A268-44FB4BDDBBB0}" type="slidenum">
               <a:rPr lang="ru-RU" smtClean="0"/>
               <a:pPr algn="ctr"/>
-              <a:t>11</a:t>
+              <a:t>13</a:t>
             </a:fld>
             <a:endParaRPr lang="ru-RU" dirty="0"/>
           </a:p>
@@ -4961,10 +5436,17 @@
   <p:clrMapOvr>
     <a:masterClrMapping/>
   </p:clrMapOvr>
+  <p:timing>
+    <p:tnLst>
+      <p:par>
+        <p:cTn id="1" dur="indefinite" restart="never" nodeType="tmRoot"/>
+      </p:par>
+    </p:tnLst>
+  </p:timing>
 </p:sld>
 </file>
 
-<file path=ppt/slides/slide12.xml><?xml version="1.0" encoding="utf-8"?>
+<file path=ppt/slides/slide14.xml><?xml version="1.0" encoding="utf-8"?>
 <p:sld xmlns:a="http://schemas.openxmlformats.org/drawingml/2006/main" xmlns:r="http://schemas.openxmlformats.org/officeDocument/2006/relationships" xmlns:p="http://schemas.openxmlformats.org/presentationml/2006/main">
   <p:cSld>
     <p:spTree>
@@ -5126,7 +5608,7 @@
             <a:fld id="{1397BFD8-F312-4EF2-A268-44FB4BDDBBB0}" type="slidenum">
               <a:rPr lang="ru-RU" smtClean="0"/>
               <a:pPr algn="ctr"/>
-              <a:t>12</a:t>
+              <a:t>14</a:t>
             </a:fld>
             <a:endParaRPr lang="ru-RU" dirty="0"/>
           </a:p>
@@ -5160,10 +5642,17 @@
   <p:clrMapOvr>
     <a:masterClrMapping/>
   </p:clrMapOvr>
+  <p:timing>
+    <p:tnLst>
+      <p:par>
+        <p:cTn id="1" dur="indefinite" restart="never" nodeType="tmRoot"/>
+      </p:par>
+    </p:tnLst>
+  </p:timing>
 </p:sld>
 </file>
 
-<file path=ppt/slides/slide13.xml><?xml version="1.0" encoding="utf-8"?>
+<file path=ppt/slides/slide15.xml><?xml version="1.0" encoding="utf-8"?>
 <p:sld xmlns:a="http://schemas.openxmlformats.org/drawingml/2006/main" xmlns:r="http://schemas.openxmlformats.org/officeDocument/2006/relationships" xmlns:p="http://schemas.openxmlformats.org/presentationml/2006/main">
   <p:cSld>
     <p:spTree>
@@ -5236,7 +5725,7 @@
             <a:fld id="{1397BFD8-F312-4EF2-A268-44FB4BDDBBB0}" type="slidenum">
               <a:rPr lang="ru-RU" smtClean="0"/>
               <a:pPr algn="ctr"/>
-              <a:t>13</a:t>
+              <a:t>15</a:t>
             </a:fld>
             <a:endParaRPr lang="ru-RU" dirty="0"/>
           </a:p>
@@ -8494,10 +8983,17 @@
   <p:clrMapOvr>
     <a:masterClrMapping/>
   </p:clrMapOvr>
+  <p:timing>
+    <p:tnLst>
+      <p:par>
+        <p:cTn id="1" dur="indefinite" restart="never" nodeType="tmRoot"/>
+      </p:par>
+    </p:tnLst>
+  </p:timing>
 </p:sld>
 </file>
 
-<file path=ppt/slides/slide14.xml><?xml version="1.0" encoding="utf-8"?>
+<file path=ppt/slides/slide16.xml><?xml version="1.0" encoding="utf-8"?>
 <p:sld xmlns:a="http://schemas.openxmlformats.org/drawingml/2006/main" xmlns:r="http://schemas.openxmlformats.org/officeDocument/2006/relationships" xmlns:p="http://schemas.openxmlformats.org/presentationml/2006/main">
   <p:cSld>
     <p:spTree>
@@ -8533,7 +9029,7 @@
             <a:fld id="{1397BFD8-F312-4EF2-A268-44FB4BDDBBB0}" type="slidenum">
               <a:rPr lang="ru-RU" smtClean="0"/>
               <a:pPr algn="ctr"/>
-              <a:t>14</a:t>
+              <a:t>16</a:t>
             </a:fld>
             <a:endParaRPr lang="ru-RU" dirty="0"/>
           </a:p>
@@ -12629,10 +13125,17 @@
   <p:clrMapOvr>
     <a:masterClrMapping/>
   </p:clrMapOvr>
+  <p:timing>
+    <p:tnLst>
+      <p:par>
+        <p:cTn id="1" dur="indefinite" restart="never" nodeType="tmRoot"/>
+      </p:par>
+    </p:tnLst>
+  </p:timing>
 </p:sld>
 </file>
 
-<file path=ppt/slides/slide15.xml><?xml version="1.0" encoding="utf-8"?>
+<file path=ppt/slides/slide17.xml><?xml version="1.0" encoding="utf-8"?>
 <p:sld xmlns:a="http://schemas.openxmlformats.org/drawingml/2006/main" xmlns:r="http://schemas.openxmlformats.org/officeDocument/2006/relationships" xmlns:p="http://schemas.openxmlformats.org/presentationml/2006/main">
   <p:cSld>
     <p:spTree>
@@ -12668,7 +13171,7 @@
             <a:fld id="{1397BFD8-F312-4EF2-A268-44FB4BDDBBB0}" type="slidenum">
               <a:rPr lang="ru-RU" smtClean="0"/>
               <a:pPr algn="ctr"/>
-              <a:t>15</a:t>
+              <a:t>17</a:t>
             </a:fld>
             <a:endParaRPr lang="ru-RU" dirty="0"/>
           </a:p>
@@ -16803,10 +17306,17 @@
   <p:clrMapOvr>
     <a:masterClrMapping/>
   </p:clrMapOvr>
+  <p:timing>
+    <p:tnLst>
+      <p:par>
+        <p:cTn id="1" dur="indefinite" restart="never" nodeType="tmRoot"/>
+      </p:par>
+    </p:tnLst>
+  </p:timing>
 </p:sld>
 </file>
 
-<file path=ppt/slides/slide16.xml><?xml version="1.0" encoding="utf-8"?>
+<file path=ppt/slides/slide18.xml><?xml version="1.0" encoding="utf-8"?>
 <p:sld xmlns:a="http://schemas.openxmlformats.org/drawingml/2006/main" xmlns:r="http://schemas.openxmlformats.org/officeDocument/2006/relationships" xmlns:p="http://schemas.openxmlformats.org/presentationml/2006/main">
   <p:cSld>
     <p:spTree>
@@ -16842,7 +17352,7 @@
             <a:fld id="{1397BFD8-F312-4EF2-A268-44FB4BDDBBB0}" type="slidenum">
               <a:rPr lang="ru-RU" smtClean="0"/>
               <a:pPr algn="ctr"/>
-              <a:t>16</a:t>
+              <a:t>18</a:t>
             </a:fld>
             <a:endParaRPr lang="ru-RU" dirty="0"/>
           </a:p>
@@ -21347,10 +21857,17 @@
   <p:clrMapOvr>
     <a:masterClrMapping/>
   </p:clrMapOvr>
+  <p:timing>
+    <p:tnLst>
+      <p:par>
+        <p:cTn id="1" dur="indefinite" restart="never" nodeType="tmRoot"/>
+      </p:par>
+    </p:tnLst>
+  </p:timing>
 </p:sld>
 </file>
 
-<file path=ppt/slides/slide17.xml><?xml version="1.0" encoding="utf-8"?>
+<file path=ppt/slides/slide19.xml><?xml version="1.0" encoding="utf-8"?>
 <p:sld xmlns:a="http://schemas.openxmlformats.org/drawingml/2006/main" xmlns:r="http://schemas.openxmlformats.org/officeDocument/2006/relationships" xmlns:p="http://schemas.openxmlformats.org/presentationml/2006/main">
   <p:cSld>
     <p:spTree>
@@ -21386,7 +21903,7 @@
             <a:fld id="{1397BFD8-F312-4EF2-A268-44FB4BDDBBB0}" type="slidenum">
               <a:rPr lang="ru-RU" smtClean="0"/>
               <a:pPr algn="ctr"/>
-              <a:t>17</a:t>
+              <a:t>19</a:t>
             </a:fld>
             <a:endParaRPr lang="ru-RU" dirty="0"/>
           </a:p>
@@ -26350,10 +26867,185 @@
   <p:clrMapOvr>
     <a:masterClrMapping/>
   </p:clrMapOvr>
+  <p:timing>
+    <p:tnLst>
+      <p:par>
+        <p:cTn id="1" dur="indefinite" restart="never" nodeType="tmRoot"/>
+      </p:par>
+    </p:tnLst>
+  </p:timing>
 </p:sld>
 </file>
 
-<file path=ppt/slides/slide18.xml><?xml version="1.0" encoding="utf-8"?>
+<file path=ppt/slides/slide2.xml><?xml version="1.0" encoding="utf-8"?>
+<p:sld xmlns:a="http://schemas.openxmlformats.org/drawingml/2006/main" xmlns:r="http://schemas.openxmlformats.org/officeDocument/2006/relationships" xmlns:p="http://schemas.openxmlformats.org/presentationml/2006/main">
+  <p:cSld>
+    <p:spTree>
+      <p:nvGrpSpPr>
+        <p:cNvPr id="1" name=""/>
+        <p:cNvGrpSpPr/>
+        <p:nvPr/>
+      </p:nvGrpSpPr>
+      <p:grpSpPr>
+        <a:xfrm>
+          <a:off x="0" y="0"/>
+          <a:ext cx="0" cy="0"/>
+          <a:chOff x="0" y="0"/>
+          <a:chExt cx="0" cy="0"/>
+        </a:xfrm>
+      </p:grpSpPr>
+      <p:sp>
+        <p:nvSpPr>
+          <p:cNvPr id="2" name="Содержимое 1"/>
+          <p:cNvSpPr>
+            <a:spLocks noGrp="1"/>
+          </p:cNvSpPr>
+          <p:nvPr>
+            <p:ph idx="1"/>
+          </p:nvPr>
+        </p:nvSpPr>
+        <p:spPr>
+          <a:xfrm>
+            <a:off x="838200" y="1061941"/>
+            <a:ext cx="10515600" cy="1840918"/>
+          </a:xfrm>
+        </p:spPr>
+        <p:txBody>
+          <a:bodyPr/>
+          <a:lstStyle/>
+          <a:p>
+            <a:pPr>
+              <a:lnSpc>
+                <a:spcPct val="100000"/>
+              </a:lnSpc>
+              <a:spcBef>
+                <a:spcPts val="600"/>
+              </a:spcBef>
+            </a:pPr>
+            <a:r>
+              <a:rPr lang="en-US" dirty="0" smtClean="0"/>
+              <a:t>Computer performance depends on:</a:t>
+            </a:r>
+          </a:p>
+          <a:p>
+            <a:pPr lvl="1">
+              <a:lnSpc>
+                <a:spcPct val="100000"/>
+              </a:lnSpc>
+              <a:spcBef>
+                <a:spcPts val="600"/>
+              </a:spcBef>
+            </a:pPr>
+            <a:r>
+              <a:rPr lang="en-US" dirty="0" smtClean="0"/>
+              <a:t>Processor performance</a:t>
+            </a:r>
+          </a:p>
+          <a:p>
+            <a:pPr lvl="1">
+              <a:lnSpc>
+                <a:spcPct val="100000"/>
+              </a:lnSpc>
+              <a:spcBef>
+                <a:spcPts val="600"/>
+              </a:spcBef>
+            </a:pPr>
+            <a:r>
+              <a:rPr lang="en-US" dirty="0" smtClean="0"/>
+              <a:t>Memory performance</a:t>
+            </a:r>
+            <a:endParaRPr lang="ru-RU" dirty="0"/>
+          </a:p>
+        </p:txBody>
+      </p:sp>
+      <p:sp>
+        <p:nvSpPr>
+          <p:cNvPr id="3" name="Номер слайда 2"/>
+          <p:cNvSpPr>
+            <a:spLocks noGrp="1"/>
+          </p:cNvSpPr>
+          <p:nvPr>
+            <p:ph type="sldNum" sz="quarter" idx="12"/>
+          </p:nvPr>
+        </p:nvSpPr>
+        <p:spPr/>
+        <p:txBody>
+          <a:bodyPr/>
+          <a:lstStyle/>
+          <a:p>
+            <a:pPr algn="ctr"/>
+            <a:fld id="{1397BFD8-F312-4EF2-A268-44FB4BDDBBB0}" type="slidenum">
+              <a:rPr lang="ru-RU" smtClean="0"/>
+              <a:pPr algn="ctr"/>
+              <a:t>2</a:t>
+            </a:fld>
+            <a:endParaRPr lang="ru-RU" dirty="0"/>
+          </a:p>
+        </p:txBody>
+      </p:sp>
+      <p:sp>
+        <p:nvSpPr>
+          <p:cNvPr id="4" name="Заголовок 3"/>
+          <p:cNvSpPr>
+            <a:spLocks noGrp="1"/>
+          </p:cNvSpPr>
+          <p:nvPr>
+            <p:ph type="title"/>
+          </p:nvPr>
+        </p:nvSpPr>
+        <p:spPr/>
+        <p:txBody>
+          <a:bodyPr/>
+          <a:lstStyle/>
+          <a:p>
+            <a:r>
+              <a:rPr lang="en-US" dirty="0" smtClean="0"/>
+              <a:t>Processor-Memory Performance Gap</a:t>
+            </a:r>
+            <a:endParaRPr lang="ru-RU" dirty="0"/>
+          </a:p>
+        </p:txBody>
+      </p:sp>
+      <p:pic>
+        <p:nvPicPr>
+          <p:cNvPr id="5" name="Picture 4"/>
+          <p:cNvPicPr>
+            <a:picLocks noChangeAspect="1"/>
+          </p:cNvPicPr>
+          <p:nvPr/>
+        </p:nvPicPr>
+        <p:blipFill>
+          <a:blip r:embed="rId2" cstate="print"/>
+          <a:stretch>
+            <a:fillRect/>
+          </a:stretch>
+        </p:blipFill>
+        <p:spPr>
+          <a:xfrm>
+            <a:off x="2611655" y="2781163"/>
+            <a:ext cx="7989570" cy="4003358"/>
+          </a:xfrm>
+          <a:prstGeom prst="rect">
+            <a:avLst/>
+          </a:prstGeom>
+        </p:spPr>
+      </p:pic>
+    </p:spTree>
+  </p:cSld>
+  <p:clrMapOvr>
+    <a:masterClrMapping/>
+  </p:clrMapOvr>
+  <p:timing>
+    <p:tnLst>
+      <p:par>
+        <p:cTn id="1" dur="indefinite" restart="never" nodeType="tmRoot"/>
+      </p:par>
+    </p:tnLst>
+  </p:timing>
+</p:sld>
+</file>
+
+<file path=ppt/slides/slide20.xml><?xml version="1.0" encoding="utf-8"?>
 <p:sld xmlns:a="http://schemas.openxmlformats.org/drawingml/2006/main" xmlns:r="http://schemas.openxmlformats.org/officeDocument/2006/relationships" xmlns:p="http://schemas.openxmlformats.org/presentationml/2006/main">
   <p:cSld>
     <p:spTree>
@@ -26389,7 +27081,7 @@
             <a:fld id="{1397BFD8-F312-4EF2-A268-44FB4BDDBBB0}" type="slidenum">
               <a:rPr lang="ru-RU" smtClean="0"/>
               <a:pPr algn="ctr"/>
-              <a:t>18</a:t>
+              <a:t>20</a:t>
             </a:fld>
             <a:endParaRPr lang="ru-RU" dirty="0"/>
           </a:p>
@@ -30589,10 +31281,1514 @@
   <p:clrMapOvr>
     <a:masterClrMapping/>
   </p:clrMapOvr>
+  <p:timing>
+    <p:tnLst>
+      <p:par>
+        <p:cTn id="1" dur="indefinite" restart="never" nodeType="tmRoot"/>
+      </p:par>
+    </p:tnLst>
+  </p:timing>
 </p:sld>
 </file>
 
-<file path=ppt/slides/slide19.xml><?xml version="1.0" encoding="utf-8"?>
+<file path=ppt/slides/slide21.xml><?xml version="1.0" encoding="utf-8"?>
+<p:sld xmlns:a="http://schemas.openxmlformats.org/drawingml/2006/main" xmlns:r="http://schemas.openxmlformats.org/officeDocument/2006/relationships" xmlns:p="http://schemas.openxmlformats.org/presentationml/2006/main">
+  <p:cSld>
+    <p:spTree>
+      <p:nvGrpSpPr>
+        <p:cNvPr id="1" name=""/>
+        <p:cNvGrpSpPr/>
+        <p:nvPr/>
+      </p:nvGrpSpPr>
+      <p:grpSpPr>
+        <a:xfrm>
+          <a:off x="0" y="0"/>
+          <a:ext cx="0" cy="0"/>
+          <a:chOff x="0" y="0"/>
+          <a:chExt cx="0" cy="0"/>
+        </a:xfrm>
+      </p:grpSpPr>
+      <p:sp>
+        <p:nvSpPr>
+          <p:cNvPr id="2" name="Содержимое 1"/>
+          <p:cNvSpPr>
+            <a:spLocks noGrp="1"/>
+          </p:cNvSpPr>
+          <p:nvPr>
+            <p:ph idx="1"/>
+          </p:nvPr>
+        </p:nvSpPr>
+        <p:spPr>
+          <a:xfrm>
+            <a:off x="838200" y="1178052"/>
+            <a:ext cx="10515600" cy="5489448"/>
+          </a:xfrm>
+        </p:spPr>
+        <p:txBody>
+          <a:bodyPr>
+            <a:normAutofit fontScale="92500" lnSpcReduction="20000"/>
+          </a:bodyPr>
+          <a:lstStyle/>
+          <a:p>
+            <a:pPr>
+              <a:lnSpc>
+                <a:spcPct val="110000"/>
+              </a:lnSpc>
+            </a:pPr>
+            <a:r>
+              <a:rPr lang="en-US" altLang="en-US" sz="3900" dirty="0" smtClean="0"/>
+              <a:t>Fully associative</a:t>
+            </a:r>
+          </a:p>
+          <a:p>
+            <a:pPr lvl="1">
+              <a:lnSpc>
+                <a:spcPct val="110000"/>
+              </a:lnSpc>
+            </a:pPr>
+            <a:r>
+              <a:rPr lang="en-US" altLang="en-US" sz="3500" dirty="0" smtClean="0"/>
+              <a:t>Allow a given block to go in any cache entry</a:t>
+            </a:r>
+          </a:p>
+          <a:p>
+            <a:pPr lvl="1">
+              <a:lnSpc>
+                <a:spcPct val="110000"/>
+              </a:lnSpc>
+            </a:pPr>
+            <a:r>
+              <a:rPr lang="en-US" altLang="en-US" sz="3500" dirty="0" smtClean="0"/>
+              <a:t>Requires all entries to be searched at once</a:t>
+            </a:r>
+          </a:p>
+          <a:p>
+            <a:pPr lvl="1">
+              <a:lnSpc>
+                <a:spcPct val="110000"/>
+              </a:lnSpc>
+            </a:pPr>
+            <a:r>
+              <a:rPr lang="en-US" altLang="en-US" sz="3500" dirty="0" smtClean="0"/>
+              <a:t>Comparator per entry (expensive)</a:t>
+            </a:r>
+          </a:p>
+          <a:p>
+            <a:pPr>
+              <a:lnSpc>
+                <a:spcPct val="110000"/>
+              </a:lnSpc>
+            </a:pPr>
+            <a:r>
+              <a:rPr lang="en-US" altLang="en-US" sz="3900" i="1" dirty="0" smtClean="0"/>
+              <a:t>n</a:t>
+            </a:r>
+            <a:r>
+              <a:rPr lang="en-US" altLang="en-US" sz="3900" dirty="0" smtClean="0"/>
+              <a:t>-way set associative</a:t>
+            </a:r>
+          </a:p>
+          <a:p>
+            <a:pPr lvl="1">
+              <a:lnSpc>
+                <a:spcPct val="110000"/>
+              </a:lnSpc>
+            </a:pPr>
+            <a:r>
+              <a:rPr lang="en-US" altLang="en-US" sz="3500" dirty="0" smtClean="0"/>
+              <a:t>Each set contains </a:t>
+            </a:r>
+            <a:r>
+              <a:rPr lang="en-US" altLang="en-US" sz="3500" i="1" dirty="0" smtClean="0"/>
+              <a:t>n</a:t>
+            </a:r>
+            <a:r>
+              <a:rPr lang="en-US" altLang="en-US" sz="3500" dirty="0" smtClean="0"/>
+              <a:t> entries</a:t>
+            </a:r>
+            <a:endParaRPr lang="en-AU" altLang="en-US" sz="3500" dirty="0" smtClean="0"/>
+          </a:p>
+          <a:p>
+            <a:pPr lvl="1">
+              <a:lnSpc>
+                <a:spcPct val="110000"/>
+              </a:lnSpc>
+            </a:pPr>
+            <a:r>
+              <a:rPr lang="en-US" altLang="en-US" sz="3500" dirty="0" smtClean="0"/>
+              <a:t>Block number determines which set</a:t>
+            </a:r>
+          </a:p>
+          <a:p>
+            <a:pPr lvl="2">
+              <a:lnSpc>
+                <a:spcPct val="110000"/>
+              </a:lnSpc>
+            </a:pPr>
+            <a:r>
+              <a:rPr lang="en-US" altLang="en-US" sz="3500" dirty="0" smtClean="0"/>
+              <a:t>(Block number) modulo (#Sets in cache)</a:t>
+            </a:r>
+          </a:p>
+          <a:p>
+            <a:pPr lvl="1">
+              <a:lnSpc>
+                <a:spcPct val="110000"/>
+              </a:lnSpc>
+            </a:pPr>
+            <a:r>
+              <a:rPr lang="en-US" altLang="en-US" sz="3500" dirty="0" smtClean="0"/>
+              <a:t>Search all entries in a given set at once</a:t>
+            </a:r>
+          </a:p>
+          <a:p>
+            <a:pPr lvl="1">
+              <a:lnSpc>
+                <a:spcPct val="110000"/>
+              </a:lnSpc>
+            </a:pPr>
+            <a:r>
+              <a:rPr lang="en-US" altLang="en-US" sz="3500" i="1" dirty="0" smtClean="0"/>
+              <a:t>n</a:t>
+            </a:r>
+            <a:r>
+              <a:rPr lang="en-US" altLang="en-US" sz="3500" dirty="0" smtClean="0"/>
+              <a:t> comparators (less expensive</a:t>
+            </a:r>
+            <a:r>
+              <a:rPr lang="en-US" altLang="en-US" sz="3500" dirty="0" smtClean="0"/>
+              <a:t>)</a:t>
+            </a:r>
+            <a:endParaRPr lang="en-US" altLang="en-US" sz="3500" dirty="0" smtClean="0"/>
+          </a:p>
+        </p:txBody>
+      </p:sp>
+      <p:sp>
+        <p:nvSpPr>
+          <p:cNvPr id="3" name="Номер слайда 2"/>
+          <p:cNvSpPr>
+            <a:spLocks noGrp="1"/>
+          </p:cNvSpPr>
+          <p:nvPr>
+            <p:ph type="sldNum" sz="quarter" idx="12"/>
+          </p:nvPr>
+        </p:nvSpPr>
+        <p:spPr/>
+        <p:txBody>
+          <a:bodyPr/>
+          <a:lstStyle/>
+          <a:p>
+            <a:pPr algn="ctr"/>
+            <a:fld id="{1397BFD8-F312-4EF2-A268-44FB4BDDBBB0}" type="slidenum">
+              <a:rPr lang="ru-RU" smtClean="0"/>
+              <a:pPr algn="ctr"/>
+              <a:t>21</a:t>
+            </a:fld>
+            <a:endParaRPr lang="ru-RU" dirty="0"/>
+          </a:p>
+        </p:txBody>
+      </p:sp>
+      <p:sp>
+        <p:nvSpPr>
+          <p:cNvPr id="4" name="Заголовок 3"/>
+          <p:cNvSpPr>
+            <a:spLocks noGrp="1"/>
+          </p:cNvSpPr>
+          <p:nvPr>
+            <p:ph type="title"/>
+          </p:nvPr>
+        </p:nvSpPr>
+        <p:spPr/>
+        <p:txBody>
+          <a:bodyPr/>
+          <a:lstStyle/>
+          <a:p>
+            <a:r>
+              <a:rPr lang="en-US" altLang="en-US" dirty="0" smtClean="0"/>
+              <a:t>Associative Caches</a:t>
+            </a:r>
+            <a:endParaRPr lang="ru-RU" dirty="0"/>
+          </a:p>
+        </p:txBody>
+      </p:sp>
+    </p:spTree>
+  </p:cSld>
+  <p:clrMapOvr>
+    <a:masterClrMapping/>
+  </p:clrMapOvr>
+  <p:timing>
+    <p:tnLst>
+      <p:par>
+        <p:cTn id="1" dur="indefinite" restart="never" nodeType="tmRoot"/>
+      </p:par>
+    </p:tnLst>
+  </p:timing>
+</p:sld>
+</file>
+
+<file path=ppt/slides/slide22.xml><?xml version="1.0" encoding="utf-8"?>
+<p:sld xmlns:a="http://schemas.openxmlformats.org/drawingml/2006/main" xmlns:r="http://schemas.openxmlformats.org/officeDocument/2006/relationships" xmlns:p="http://schemas.openxmlformats.org/presentationml/2006/main">
+  <p:cSld>
+    <p:spTree>
+      <p:nvGrpSpPr>
+        <p:cNvPr id="1" name=""/>
+        <p:cNvGrpSpPr/>
+        <p:nvPr/>
+      </p:nvGrpSpPr>
+      <p:grpSpPr>
+        <a:xfrm>
+          <a:off x="0" y="0"/>
+          <a:ext cx="0" cy="0"/>
+          <a:chOff x="0" y="0"/>
+          <a:chExt cx="0" cy="0"/>
+        </a:xfrm>
+      </p:grpSpPr>
+      <p:sp>
+        <p:nvSpPr>
+          <p:cNvPr id="3" name="Номер слайда 2"/>
+          <p:cNvSpPr>
+            <a:spLocks noGrp="1"/>
+          </p:cNvSpPr>
+          <p:nvPr>
+            <p:ph type="sldNum" sz="quarter" idx="12"/>
+          </p:nvPr>
+        </p:nvSpPr>
+        <p:spPr/>
+        <p:txBody>
+          <a:bodyPr/>
+          <a:lstStyle/>
+          <a:p>
+            <a:pPr algn="ctr"/>
+            <a:fld id="{1397BFD8-F312-4EF2-A268-44FB4BDDBBB0}" type="slidenum">
+              <a:rPr lang="ru-RU" smtClean="0"/>
+              <a:pPr algn="ctr"/>
+              <a:t>22</a:t>
+            </a:fld>
+            <a:endParaRPr lang="ru-RU" dirty="0"/>
+          </a:p>
+        </p:txBody>
+      </p:sp>
+      <p:sp>
+        <p:nvSpPr>
+          <p:cNvPr id="4" name="Заголовок 3"/>
+          <p:cNvSpPr>
+            <a:spLocks noGrp="1"/>
+          </p:cNvSpPr>
+          <p:nvPr>
+            <p:ph type="title"/>
+          </p:nvPr>
+        </p:nvSpPr>
+        <p:spPr/>
+        <p:txBody>
+          <a:bodyPr/>
+          <a:lstStyle/>
+          <a:p>
+            <a:r>
+              <a:rPr lang="en-US" altLang="en-US" dirty="0" smtClean="0"/>
+              <a:t>Associative Cache </a:t>
+            </a:r>
+            <a:r>
+              <a:rPr lang="en-US" altLang="en-US" dirty="0" smtClean="0"/>
+              <a:t>Examples</a:t>
+            </a:r>
+            <a:endParaRPr lang="ru-RU" dirty="0"/>
+          </a:p>
+        </p:txBody>
+      </p:sp>
+      <p:pic>
+        <p:nvPicPr>
+          <p:cNvPr id="5" name="Picture 5" descr="f05-13-P374493"/>
+          <p:cNvPicPr>
+            <a:picLocks noChangeAspect="1" noChangeArrowheads="1"/>
+          </p:cNvPicPr>
+          <p:nvPr/>
+        </p:nvPicPr>
+        <p:blipFill>
+          <a:blip r:embed="rId2" cstate="print"/>
+          <a:srcRect/>
+          <a:stretch>
+            <a:fillRect/>
+          </a:stretch>
+        </p:blipFill>
+        <p:spPr bwMode="auto">
+          <a:xfrm>
+            <a:off x="827082" y="1527146"/>
+            <a:ext cx="10489652" cy="4338045"/>
+          </a:xfrm>
+          <a:prstGeom prst="rect">
+            <a:avLst/>
+          </a:prstGeom>
+          <a:noFill/>
+          <a:ln w="9525">
+            <a:noFill/>
+            <a:miter lim="800000"/>
+            <a:headEnd/>
+            <a:tailEnd/>
+          </a:ln>
+        </p:spPr>
+      </p:pic>
+    </p:spTree>
+  </p:cSld>
+  <p:clrMapOvr>
+    <a:masterClrMapping/>
+  </p:clrMapOvr>
+  <p:timing>
+    <p:tnLst>
+      <p:par>
+        <p:cTn id="1" dur="indefinite" restart="never" nodeType="tmRoot"/>
+      </p:par>
+    </p:tnLst>
+  </p:timing>
+</p:sld>
+</file>
+
+<file path=ppt/slides/slide23.xml><?xml version="1.0" encoding="utf-8"?>
+<p:sld xmlns:a="http://schemas.openxmlformats.org/drawingml/2006/main" xmlns:r="http://schemas.openxmlformats.org/officeDocument/2006/relationships" xmlns:p="http://schemas.openxmlformats.org/presentationml/2006/main">
+  <p:cSld>
+    <p:spTree>
+      <p:nvGrpSpPr>
+        <p:cNvPr id="1" name=""/>
+        <p:cNvGrpSpPr/>
+        <p:nvPr/>
+      </p:nvGrpSpPr>
+      <p:grpSpPr>
+        <a:xfrm>
+          <a:off x="0" y="0"/>
+          <a:ext cx="0" cy="0"/>
+          <a:chOff x="0" y="0"/>
+          <a:chExt cx="0" cy="0"/>
+        </a:xfrm>
+      </p:grpSpPr>
+      <p:sp>
+        <p:nvSpPr>
+          <p:cNvPr id="2" name="Содержимое 1"/>
+          <p:cNvSpPr>
+            <a:spLocks noGrp="1"/>
+          </p:cNvSpPr>
+          <p:nvPr>
+            <p:ph idx="1"/>
+          </p:nvPr>
+        </p:nvSpPr>
+        <p:spPr>
+          <a:xfrm>
+            <a:off x="838200" y="1178053"/>
+            <a:ext cx="10515600" cy="561847"/>
+          </a:xfrm>
+        </p:spPr>
+        <p:txBody>
+          <a:bodyPr>
+            <a:normAutofit lnSpcReduction="10000"/>
+          </a:bodyPr>
+          <a:lstStyle/>
+          <a:p>
+            <a:r>
+              <a:rPr lang="en-US" altLang="en-US" dirty="0" smtClean="0"/>
+              <a:t>For a cache with 8 </a:t>
+            </a:r>
+            <a:r>
+              <a:rPr lang="en-US" altLang="en-US" dirty="0" smtClean="0"/>
+              <a:t>entries</a:t>
+            </a:r>
+            <a:endParaRPr lang="en-AU" altLang="en-US" dirty="0" smtClean="0"/>
+          </a:p>
+        </p:txBody>
+      </p:sp>
+      <p:sp>
+        <p:nvSpPr>
+          <p:cNvPr id="3" name="Номер слайда 2"/>
+          <p:cNvSpPr>
+            <a:spLocks noGrp="1"/>
+          </p:cNvSpPr>
+          <p:nvPr>
+            <p:ph type="sldNum" sz="quarter" idx="12"/>
+          </p:nvPr>
+        </p:nvSpPr>
+        <p:spPr/>
+        <p:txBody>
+          <a:bodyPr/>
+          <a:lstStyle/>
+          <a:p>
+            <a:pPr algn="ctr"/>
+            <a:fld id="{1397BFD8-F312-4EF2-A268-44FB4BDDBBB0}" type="slidenum">
+              <a:rPr lang="ru-RU" smtClean="0"/>
+              <a:pPr algn="ctr"/>
+              <a:t>23</a:t>
+            </a:fld>
+            <a:endParaRPr lang="ru-RU" dirty="0"/>
+          </a:p>
+        </p:txBody>
+      </p:sp>
+      <p:sp>
+        <p:nvSpPr>
+          <p:cNvPr id="4" name="Заголовок 3"/>
+          <p:cNvSpPr>
+            <a:spLocks noGrp="1"/>
+          </p:cNvSpPr>
+          <p:nvPr>
+            <p:ph type="title"/>
+          </p:nvPr>
+        </p:nvSpPr>
+        <p:spPr/>
+        <p:txBody>
+          <a:bodyPr/>
+          <a:lstStyle/>
+          <a:p>
+            <a:r>
+              <a:rPr lang="en-US" altLang="en-US" dirty="0" smtClean="0"/>
+              <a:t>Spectrum of </a:t>
+            </a:r>
+            <a:r>
+              <a:rPr lang="en-US" altLang="en-US" dirty="0" err="1" smtClean="0"/>
+              <a:t>Associativity</a:t>
+            </a:r>
+            <a:endParaRPr lang="ru-RU" dirty="0"/>
+          </a:p>
+        </p:txBody>
+      </p:sp>
+      <p:pic>
+        <p:nvPicPr>
+          <p:cNvPr id="5" name="Picture 7" descr="f05-14-P374493"/>
+          <p:cNvPicPr>
+            <a:picLocks noChangeAspect="1" noChangeArrowheads="1"/>
+          </p:cNvPicPr>
+          <p:nvPr/>
+        </p:nvPicPr>
+        <p:blipFill>
+          <a:blip r:embed="rId2" cstate="print"/>
+          <a:srcRect/>
+          <a:stretch>
+            <a:fillRect/>
+          </a:stretch>
+        </p:blipFill>
+        <p:spPr bwMode="auto">
+          <a:xfrm>
+            <a:off x="3033712" y="1704971"/>
+            <a:ext cx="6408433" cy="5011837"/>
+          </a:xfrm>
+          <a:prstGeom prst="rect">
+            <a:avLst/>
+          </a:prstGeom>
+          <a:noFill/>
+          <a:ln w="9525">
+            <a:noFill/>
+            <a:miter lim="800000"/>
+            <a:headEnd/>
+            <a:tailEnd/>
+          </a:ln>
+        </p:spPr>
+      </p:pic>
+    </p:spTree>
+  </p:cSld>
+  <p:clrMapOvr>
+    <a:masterClrMapping/>
+  </p:clrMapOvr>
+  <p:timing>
+    <p:tnLst>
+      <p:par>
+        <p:cTn id="1" dur="indefinite" restart="never" nodeType="tmRoot"/>
+      </p:par>
+    </p:tnLst>
+  </p:timing>
+</p:sld>
+</file>
+
+<file path=ppt/slides/slide24.xml><?xml version="1.0" encoding="utf-8"?>
+<p:sld xmlns:a="http://schemas.openxmlformats.org/drawingml/2006/main" xmlns:r="http://schemas.openxmlformats.org/officeDocument/2006/relationships" xmlns:p="http://schemas.openxmlformats.org/presentationml/2006/main">
+  <p:cSld>
+    <p:spTree>
+      <p:nvGrpSpPr>
+        <p:cNvPr id="1" name=""/>
+        <p:cNvGrpSpPr/>
+        <p:nvPr/>
+      </p:nvGrpSpPr>
+      <p:grpSpPr>
+        <a:xfrm>
+          <a:off x="0" y="0"/>
+          <a:ext cx="0" cy="0"/>
+          <a:chOff x="0" y="0"/>
+          <a:chExt cx="0" cy="0"/>
+        </a:xfrm>
+      </p:grpSpPr>
+      <p:sp>
+        <p:nvSpPr>
+          <p:cNvPr id="2" name="Содержимое 1"/>
+          <p:cNvSpPr>
+            <a:spLocks noGrp="1"/>
+          </p:cNvSpPr>
+          <p:nvPr>
+            <p:ph idx="1"/>
+          </p:nvPr>
+        </p:nvSpPr>
+        <p:spPr>
+          <a:xfrm>
+            <a:off x="838200" y="1178052"/>
+            <a:ext cx="10515600" cy="5375148"/>
+          </a:xfrm>
+        </p:spPr>
+        <p:txBody>
+          <a:bodyPr>
+            <a:normAutofit/>
+          </a:bodyPr>
+          <a:lstStyle/>
+          <a:p>
+            <a:pPr>
+              <a:lnSpc>
+                <a:spcPct val="100000"/>
+              </a:lnSpc>
+              <a:spcBef>
+                <a:spcPts val="1200"/>
+              </a:spcBef>
+            </a:pPr>
+            <a:r>
+              <a:rPr lang="en-US" altLang="en-US" dirty="0" smtClean="0"/>
+              <a:t>Increased </a:t>
+            </a:r>
+            <a:r>
+              <a:rPr lang="en-US" altLang="en-US" dirty="0" err="1" smtClean="0"/>
+              <a:t>associativity</a:t>
+            </a:r>
+            <a:r>
+              <a:rPr lang="en-US" altLang="en-US" dirty="0" smtClean="0"/>
+              <a:t> decreases miss rate</a:t>
+            </a:r>
+          </a:p>
+          <a:p>
+            <a:pPr lvl="1">
+              <a:lnSpc>
+                <a:spcPct val="100000"/>
+              </a:lnSpc>
+              <a:spcBef>
+                <a:spcPts val="1200"/>
+              </a:spcBef>
+            </a:pPr>
+            <a:r>
+              <a:rPr lang="en-US" altLang="en-US" dirty="0" smtClean="0"/>
+              <a:t>But with diminishing returns</a:t>
+            </a:r>
+          </a:p>
+          <a:p>
+            <a:pPr>
+              <a:lnSpc>
+                <a:spcPct val="100000"/>
+              </a:lnSpc>
+              <a:spcBef>
+                <a:spcPts val="1200"/>
+              </a:spcBef>
+            </a:pPr>
+            <a:r>
+              <a:rPr lang="en-US" altLang="en-US" dirty="0" smtClean="0"/>
+              <a:t>Simulation of a system with 64KB</a:t>
+            </a:r>
+            <a:br>
+              <a:rPr lang="en-US" altLang="en-US" dirty="0" smtClean="0"/>
+            </a:br>
+            <a:r>
+              <a:rPr lang="en-US" altLang="en-US" dirty="0" smtClean="0"/>
+              <a:t>D-cache, 16-word blocks, SPEC2000</a:t>
+            </a:r>
+          </a:p>
+          <a:p>
+            <a:pPr lvl="1">
+              <a:lnSpc>
+                <a:spcPct val="100000"/>
+              </a:lnSpc>
+              <a:spcBef>
+                <a:spcPts val="1200"/>
+              </a:spcBef>
+            </a:pPr>
+            <a:r>
+              <a:rPr lang="en-US" altLang="en-US" dirty="0" smtClean="0"/>
+              <a:t>1-way: 10.3%</a:t>
+            </a:r>
+          </a:p>
+          <a:p>
+            <a:pPr lvl="1">
+              <a:lnSpc>
+                <a:spcPct val="100000"/>
+              </a:lnSpc>
+              <a:spcBef>
+                <a:spcPts val="1200"/>
+              </a:spcBef>
+            </a:pPr>
+            <a:r>
+              <a:rPr lang="en-US" altLang="en-US" dirty="0" smtClean="0"/>
+              <a:t>2-way: 8.6%</a:t>
+            </a:r>
+          </a:p>
+          <a:p>
+            <a:pPr lvl="1">
+              <a:lnSpc>
+                <a:spcPct val="100000"/>
+              </a:lnSpc>
+              <a:spcBef>
+                <a:spcPts val="1200"/>
+              </a:spcBef>
+            </a:pPr>
+            <a:r>
+              <a:rPr lang="en-US" altLang="en-US" dirty="0" smtClean="0"/>
+              <a:t>4-way: 8.3%</a:t>
+            </a:r>
+          </a:p>
+          <a:p>
+            <a:pPr lvl="1">
+              <a:lnSpc>
+                <a:spcPct val="100000"/>
+              </a:lnSpc>
+              <a:spcBef>
+                <a:spcPts val="1200"/>
+              </a:spcBef>
+            </a:pPr>
+            <a:r>
+              <a:rPr lang="en-US" altLang="en-US" dirty="0" smtClean="0"/>
+              <a:t>8-way: 8.1</a:t>
+            </a:r>
+            <a:r>
+              <a:rPr lang="en-US" altLang="en-US" dirty="0" smtClean="0"/>
+              <a:t>%</a:t>
+            </a:r>
+            <a:endParaRPr lang="en-AU" altLang="en-US" dirty="0" smtClean="0"/>
+          </a:p>
+        </p:txBody>
+      </p:sp>
+      <p:sp>
+        <p:nvSpPr>
+          <p:cNvPr id="3" name="Номер слайда 2"/>
+          <p:cNvSpPr>
+            <a:spLocks noGrp="1"/>
+          </p:cNvSpPr>
+          <p:nvPr>
+            <p:ph type="sldNum" sz="quarter" idx="12"/>
+          </p:nvPr>
+        </p:nvSpPr>
+        <p:spPr/>
+        <p:txBody>
+          <a:bodyPr/>
+          <a:lstStyle/>
+          <a:p>
+            <a:pPr algn="ctr"/>
+            <a:fld id="{1397BFD8-F312-4EF2-A268-44FB4BDDBBB0}" type="slidenum">
+              <a:rPr lang="ru-RU" smtClean="0"/>
+              <a:pPr algn="ctr"/>
+              <a:t>24</a:t>
+            </a:fld>
+            <a:endParaRPr lang="ru-RU" dirty="0"/>
+          </a:p>
+        </p:txBody>
+      </p:sp>
+      <p:sp>
+        <p:nvSpPr>
+          <p:cNvPr id="4" name="Заголовок 3"/>
+          <p:cNvSpPr>
+            <a:spLocks noGrp="1"/>
+          </p:cNvSpPr>
+          <p:nvPr>
+            <p:ph type="title"/>
+          </p:nvPr>
+        </p:nvSpPr>
+        <p:spPr/>
+        <p:txBody>
+          <a:bodyPr/>
+          <a:lstStyle/>
+          <a:p>
+            <a:r>
+              <a:rPr lang="en-US" altLang="en-US" dirty="0" smtClean="0"/>
+              <a:t>How Much </a:t>
+            </a:r>
+            <a:r>
+              <a:rPr lang="en-US" altLang="en-US" dirty="0" err="1" smtClean="0"/>
+              <a:t>Associativity</a:t>
+            </a:r>
+            <a:endParaRPr lang="ru-RU" dirty="0"/>
+          </a:p>
+        </p:txBody>
+      </p:sp>
+    </p:spTree>
+  </p:cSld>
+  <p:clrMapOvr>
+    <a:masterClrMapping/>
+  </p:clrMapOvr>
+  <p:timing>
+    <p:tnLst>
+      <p:par>
+        <p:cTn id="1" dur="indefinite" restart="never" nodeType="tmRoot"/>
+      </p:par>
+    </p:tnLst>
+  </p:timing>
+</p:sld>
+</file>
+
+<file path=ppt/slides/slide25.xml><?xml version="1.0" encoding="utf-8"?>
+<p:sld xmlns:a="http://schemas.openxmlformats.org/drawingml/2006/main" xmlns:r="http://schemas.openxmlformats.org/officeDocument/2006/relationships" xmlns:p="http://schemas.openxmlformats.org/presentationml/2006/main">
+  <p:cSld>
+    <p:spTree>
+      <p:nvGrpSpPr>
+        <p:cNvPr id="1" name=""/>
+        <p:cNvGrpSpPr/>
+        <p:nvPr/>
+      </p:nvGrpSpPr>
+      <p:grpSpPr>
+        <a:xfrm>
+          <a:off x="0" y="0"/>
+          <a:ext cx="0" cy="0"/>
+          <a:chOff x="0" y="0"/>
+          <a:chExt cx="0" cy="0"/>
+        </a:xfrm>
+      </p:grpSpPr>
+      <p:sp>
+        <p:nvSpPr>
+          <p:cNvPr id="2" name="Содержимое 1"/>
+          <p:cNvSpPr>
+            <a:spLocks noGrp="1"/>
+          </p:cNvSpPr>
+          <p:nvPr>
+            <p:ph idx="1"/>
+          </p:nvPr>
+        </p:nvSpPr>
+        <p:spPr>
+          <a:xfrm>
+            <a:off x="838200" y="1178052"/>
+            <a:ext cx="10515600" cy="5464048"/>
+          </a:xfrm>
+        </p:spPr>
+        <p:txBody>
+          <a:bodyPr>
+            <a:normAutofit/>
+          </a:bodyPr>
+          <a:lstStyle/>
+          <a:p>
+            <a:pPr>
+              <a:lnSpc>
+                <a:spcPct val="80000"/>
+              </a:lnSpc>
+            </a:pPr>
+            <a:r>
+              <a:rPr lang="en-US" altLang="en-US" dirty="0" smtClean="0"/>
+              <a:t>Direct </a:t>
+            </a:r>
+            <a:r>
+              <a:rPr lang="en-US" altLang="en-US" dirty="0" smtClean="0"/>
+              <a:t>mapped</a:t>
+            </a:r>
+          </a:p>
+          <a:p>
+            <a:pPr lvl="1">
+              <a:lnSpc>
+                <a:spcPct val="80000"/>
+              </a:lnSpc>
+            </a:pPr>
+            <a:r>
+              <a:rPr lang="en-US" altLang="en-US" dirty="0" smtClean="0"/>
+              <a:t>No </a:t>
+            </a:r>
+            <a:r>
+              <a:rPr lang="en-US" altLang="en-US" dirty="0" smtClean="0"/>
+              <a:t>choice</a:t>
+            </a:r>
+          </a:p>
+          <a:p>
+            <a:pPr>
+              <a:lnSpc>
+                <a:spcPct val="80000"/>
+              </a:lnSpc>
+            </a:pPr>
+            <a:r>
+              <a:rPr lang="en-US" altLang="en-US" dirty="0" smtClean="0"/>
+              <a:t>Set associative</a:t>
+            </a:r>
+          </a:p>
+          <a:p>
+            <a:pPr lvl="1">
+              <a:lnSpc>
+                <a:spcPct val="80000"/>
+              </a:lnSpc>
+            </a:pPr>
+            <a:r>
+              <a:rPr lang="en-US" altLang="en-US" dirty="0" smtClean="0"/>
+              <a:t>Prefer non-valid entry, if there is one</a:t>
+            </a:r>
+          </a:p>
+          <a:p>
+            <a:pPr lvl="1">
+              <a:lnSpc>
+                <a:spcPct val="80000"/>
+              </a:lnSpc>
+            </a:pPr>
+            <a:r>
+              <a:rPr lang="en-US" altLang="en-US" dirty="0" smtClean="0"/>
+              <a:t>Otherwise, choose among entries in the set</a:t>
+            </a:r>
+          </a:p>
+          <a:p>
+            <a:pPr>
+              <a:lnSpc>
+                <a:spcPct val="80000"/>
+              </a:lnSpc>
+            </a:pPr>
+            <a:r>
+              <a:rPr lang="en-US" altLang="en-US" dirty="0" smtClean="0"/>
+              <a:t>Least-recently used (LRU)</a:t>
+            </a:r>
+          </a:p>
+          <a:p>
+            <a:pPr lvl="1">
+              <a:lnSpc>
+                <a:spcPct val="80000"/>
+              </a:lnSpc>
+            </a:pPr>
+            <a:r>
+              <a:rPr lang="en-US" altLang="en-US" dirty="0" smtClean="0"/>
+              <a:t>Choose the one unused for the longest time</a:t>
+            </a:r>
+          </a:p>
+          <a:p>
+            <a:pPr lvl="2">
+              <a:lnSpc>
+                <a:spcPct val="80000"/>
+              </a:lnSpc>
+            </a:pPr>
+            <a:r>
+              <a:rPr lang="en-US" altLang="en-US" sz="2800" dirty="0" smtClean="0"/>
+              <a:t>Simple for 2-way, manageable for 4-way, too hard beyond that</a:t>
+            </a:r>
+          </a:p>
+          <a:p>
+            <a:pPr>
+              <a:lnSpc>
+                <a:spcPct val="80000"/>
+              </a:lnSpc>
+            </a:pPr>
+            <a:r>
+              <a:rPr lang="en-US" altLang="en-US" dirty="0" smtClean="0"/>
+              <a:t>Random</a:t>
+            </a:r>
+          </a:p>
+          <a:p>
+            <a:pPr lvl="1">
+              <a:lnSpc>
+                <a:spcPct val="80000"/>
+              </a:lnSpc>
+            </a:pPr>
+            <a:r>
+              <a:rPr lang="en-US" altLang="en-US" dirty="0" smtClean="0"/>
+              <a:t>Gives approximately the same performance as LRU for high </a:t>
+            </a:r>
+            <a:r>
+              <a:rPr lang="en-US" altLang="en-US" dirty="0" err="1" smtClean="0"/>
+              <a:t>associativity</a:t>
+            </a:r>
+            <a:endParaRPr lang="en-AU" altLang="en-US" dirty="0" smtClean="0"/>
+          </a:p>
+        </p:txBody>
+      </p:sp>
+      <p:sp>
+        <p:nvSpPr>
+          <p:cNvPr id="3" name="Номер слайда 2"/>
+          <p:cNvSpPr>
+            <a:spLocks noGrp="1"/>
+          </p:cNvSpPr>
+          <p:nvPr>
+            <p:ph type="sldNum" sz="quarter" idx="12"/>
+          </p:nvPr>
+        </p:nvSpPr>
+        <p:spPr/>
+        <p:txBody>
+          <a:bodyPr/>
+          <a:lstStyle/>
+          <a:p>
+            <a:pPr algn="ctr"/>
+            <a:fld id="{1397BFD8-F312-4EF2-A268-44FB4BDDBBB0}" type="slidenum">
+              <a:rPr lang="ru-RU" smtClean="0"/>
+              <a:pPr algn="ctr"/>
+              <a:t>25</a:t>
+            </a:fld>
+            <a:endParaRPr lang="ru-RU" dirty="0"/>
+          </a:p>
+        </p:txBody>
+      </p:sp>
+      <p:sp>
+        <p:nvSpPr>
+          <p:cNvPr id="4" name="Заголовок 3"/>
+          <p:cNvSpPr>
+            <a:spLocks noGrp="1"/>
+          </p:cNvSpPr>
+          <p:nvPr>
+            <p:ph type="title"/>
+          </p:nvPr>
+        </p:nvSpPr>
+        <p:spPr/>
+        <p:txBody>
+          <a:bodyPr/>
+          <a:lstStyle/>
+          <a:p>
+            <a:r>
+              <a:rPr lang="en-US" altLang="en-US" dirty="0" smtClean="0"/>
+              <a:t>Replacement Policy</a:t>
+            </a:r>
+            <a:endParaRPr lang="ru-RU" dirty="0"/>
+          </a:p>
+        </p:txBody>
+      </p:sp>
+    </p:spTree>
+  </p:cSld>
+  <p:clrMapOvr>
+    <a:masterClrMapping/>
+  </p:clrMapOvr>
+  <p:timing>
+    <p:tnLst>
+      <p:par>
+        <p:cTn id="1" dur="indefinite" restart="never" nodeType="tmRoot"/>
+      </p:par>
+    </p:tnLst>
+  </p:timing>
+</p:sld>
+</file>
+
+<file path=ppt/slides/slide26.xml><?xml version="1.0" encoding="utf-8"?>
+<p:sld xmlns:a="http://schemas.openxmlformats.org/drawingml/2006/main" xmlns:r="http://schemas.openxmlformats.org/officeDocument/2006/relationships" xmlns:p="http://schemas.openxmlformats.org/presentationml/2006/main">
+  <p:cSld>
+    <p:spTree>
+      <p:nvGrpSpPr>
+        <p:cNvPr id="1" name=""/>
+        <p:cNvGrpSpPr/>
+        <p:nvPr/>
+      </p:nvGrpSpPr>
+      <p:grpSpPr>
+        <a:xfrm>
+          <a:off x="0" y="0"/>
+          <a:ext cx="0" cy="0"/>
+          <a:chOff x="0" y="0"/>
+          <a:chExt cx="0" cy="0"/>
+        </a:xfrm>
+      </p:grpSpPr>
+      <p:sp>
+        <p:nvSpPr>
+          <p:cNvPr id="2" name="Содержимое 1"/>
+          <p:cNvSpPr>
+            <a:spLocks noGrp="1"/>
+          </p:cNvSpPr>
+          <p:nvPr>
+            <p:ph idx="1"/>
+          </p:nvPr>
+        </p:nvSpPr>
+        <p:spPr>
+          <a:xfrm>
+            <a:off x="838200" y="1025652"/>
+            <a:ext cx="10515600" cy="5679948"/>
+          </a:xfrm>
+        </p:spPr>
+        <p:txBody>
+          <a:bodyPr>
+            <a:noAutofit/>
+          </a:bodyPr>
+          <a:lstStyle/>
+          <a:p>
+            <a:pPr>
+              <a:spcBef>
+                <a:spcPts val="600"/>
+              </a:spcBef>
+            </a:pPr>
+            <a:r>
+              <a:rPr lang="en-US" altLang="en-US" dirty="0" smtClean="0"/>
+              <a:t>On data-write hit, could just update the block in cache</a:t>
+            </a:r>
+          </a:p>
+          <a:p>
+            <a:pPr lvl="1">
+              <a:spcBef>
+                <a:spcPts val="600"/>
+              </a:spcBef>
+            </a:pPr>
+            <a:r>
+              <a:rPr lang="en-US" altLang="en-US" dirty="0" smtClean="0"/>
+              <a:t>But then cache and memory would be inconsistent</a:t>
+            </a:r>
+          </a:p>
+          <a:p>
+            <a:pPr>
+              <a:spcBef>
+                <a:spcPts val="600"/>
+              </a:spcBef>
+            </a:pPr>
+            <a:r>
+              <a:rPr lang="en-US" altLang="en-US" dirty="0" smtClean="0"/>
+              <a:t>Write through: also update memory</a:t>
+            </a:r>
+          </a:p>
+          <a:p>
+            <a:pPr>
+              <a:spcBef>
+                <a:spcPts val="600"/>
+              </a:spcBef>
+            </a:pPr>
+            <a:r>
+              <a:rPr lang="en-US" altLang="en-US" dirty="0" smtClean="0"/>
+              <a:t>But makes writes take longer</a:t>
+            </a:r>
+          </a:p>
+          <a:p>
+            <a:pPr lvl="1">
+              <a:spcBef>
+                <a:spcPts val="600"/>
+              </a:spcBef>
+            </a:pPr>
+            <a:r>
+              <a:rPr lang="en-US" altLang="en-US" dirty="0" smtClean="0"/>
+              <a:t>e.g., if base CPI = 1, 10% of instructions are stores, write to memory takes 100 cycles</a:t>
+            </a:r>
+          </a:p>
+          <a:p>
+            <a:pPr lvl="2">
+              <a:spcBef>
+                <a:spcPts val="600"/>
+              </a:spcBef>
+            </a:pPr>
+            <a:r>
+              <a:rPr lang="en-US" altLang="en-US" sz="2800" dirty="0" smtClean="0"/>
+              <a:t> Effective CPI = 1 + 0.1×100 = 11</a:t>
+            </a:r>
+          </a:p>
+          <a:p>
+            <a:pPr>
+              <a:spcBef>
+                <a:spcPts val="600"/>
+              </a:spcBef>
+            </a:pPr>
+            <a:r>
+              <a:rPr lang="en-US" altLang="en-US" dirty="0" smtClean="0"/>
+              <a:t>Solution: write buffer</a:t>
+            </a:r>
+          </a:p>
+          <a:p>
+            <a:pPr lvl="1">
+              <a:spcBef>
+                <a:spcPts val="600"/>
+              </a:spcBef>
+            </a:pPr>
+            <a:r>
+              <a:rPr lang="en-US" altLang="en-US" dirty="0" smtClean="0"/>
+              <a:t>Holds data waiting to be written to memory</a:t>
+            </a:r>
+          </a:p>
+          <a:p>
+            <a:pPr lvl="1">
+              <a:spcBef>
+                <a:spcPts val="600"/>
+              </a:spcBef>
+            </a:pPr>
+            <a:r>
+              <a:rPr lang="en-US" altLang="en-US" dirty="0" smtClean="0"/>
+              <a:t>CPU continues immediately</a:t>
+            </a:r>
+          </a:p>
+          <a:p>
+            <a:pPr lvl="2">
+              <a:spcBef>
+                <a:spcPts val="600"/>
+              </a:spcBef>
+            </a:pPr>
+            <a:r>
+              <a:rPr lang="en-US" altLang="en-US" sz="2800" dirty="0" smtClean="0"/>
+              <a:t>Only stalls on write if write buffer is already </a:t>
+            </a:r>
+            <a:r>
+              <a:rPr lang="en-US" altLang="en-US" sz="2800" dirty="0" smtClean="0"/>
+              <a:t>full</a:t>
+            </a:r>
+            <a:endParaRPr lang="en-US" altLang="en-US" sz="2800" dirty="0" smtClean="0"/>
+          </a:p>
+        </p:txBody>
+      </p:sp>
+      <p:sp>
+        <p:nvSpPr>
+          <p:cNvPr id="3" name="Номер слайда 2"/>
+          <p:cNvSpPr>
+            <a:spLocks noGrp="1"/>
+          </p:cNvSpPr>
+          <p:nvPr>
+            <p:ph type="sldNum" sz="quarter" idx="12"/>
+          </p:nvPr>
+        </p:nvSpPr>
+        <p:spPr/>
+        <p:txBody>
+          <a:bodyPr/>
+          <a:lstStyle/>
+          <a:p>
+            <a:pPr algn="ctr"/>
+            <a:fld id="{1397BFD8-F312-4EF2-A268-44FB4BDDBBB0}" type="slidenum">
+              <a:rPr lang="ru-RU" smtClean="0"/>
+              <a:pPr algn="ctr"/>
+              <a:t>26</a:t>
+            </a:fld>
+            <a:endParaRPr lang="ru-RU" dirty="0"/>
+          </a:p>
+        </p:txBody>
+      </p:sp>
+      <p:sp>
+        <p:nvSpPr>
+          <p:cNvPr id="4" name="Заголовок 3"/>
+          <p:cNvSpPr>
+            <a:spLocks noGrp="1"/>
+          </p:cNvSpPr>
+          <p:nvPr>
+            <p:ph type="title"/>
+          </p:nvPr>
+        </p:nvSpPr>
+        <p:spPr/>
+        <p:txBody>
+          <a:bodyPr/>
+          <a:lstStyle/>
+          <a:p>
+            <a:r>
+              <a:rPr lang="en-US" altLang="en-US" dirty="0" smtClean="0"/>
+              <a:t>Write-Through</a:t>
+            </a:r>
+            <a:endParaRPr lang="ru-RU" dirty="0"/>
+          </a:p>
+        </p:txBody>
+      </p:sp>
+    </p:spTree>
+  </p:cSld>
+  <p:clrMapOvr>
+    <a:masterClrMapping/>
+  </p:clrMapOvr>
+</p:sld>
+</file>
+
+<file path=ppt/slides/slide27.xml><?xml version="1.0" encoding="utf-8"?>
+<p:sld xmlns:a="http://schemas.openxmlformats.org/drawingml/2006/main" xmlns:r="http://schemas.openxmlformats.org/officeDocument/2006/relationships" xmlns:p="http://schemas.openxmlformats.org/presentationml/2006/main">
+  <p:cSld>
+    <p:spTree>
+      <p:nvGrpSpPr>
+        <p:cNvPr id="1" name=""/>
+        <p:cNvGrpSpPr/>
+        <p:nvPr/>
+      </p:nvGrpSpPr>
+      <p:grpSpPr>
+        <a:xfrm>
+          <a:off x="0" y="0"/>
+          <a:ext cx="0" cy="0"/>
+          <a:chOff x="0" y="0"/>
+          <a:chExt cx="0" cy="0"/>
+        </a:xfrm>
+      </p:grpSpPr>
+      <p:sp>
+        <p:nvSpPr>
+          <p:cNvPr id="2" name="Содержимое 1"/>
+          <p:cNvSpPr>
+            <a:spLocks noGrp="1"/>
+          </p:cNvSpPr>
+          <p:nvPr>
+            <p:ph idx="1"/>
+          </p:nvPr>
+        </p:nvSpPr>
+        <p:spPr>
+          <a:xfrm>
+            <a:off x="838200" y="1178052"/>
+            <a:ext cx="10528300" cy="5286247"/>
+          </a:xfrm>
+        </p:spPr>
+        <p:txBody>
+          <a:bodyPr>
+            <a:normAutofit fontScale="92500" lnSpcReduction="20000"/>
+          </a:bodyPr>
+          <a:lstStyle/>
+          <a:p>
+            <a:pPr>
+              <a:lnSpc>
+                <a:spcPct val="150000"/>
+              </a:lnSpc>
+            </a:pPr>
+            <a:r>
+              <a:rPr lang="en-US" altLang="en-US" sz="3900" dirty="0" smtClean="0"/>
+              <a:t>Alternative: On data-write hit, just update the block in cache</a:t>
+            </a:r>
+          </a:p>
+          <a:p>
+            <a:pPr lvl="1">
+              <a:lnSpc>
+                <a:spcPct val="150000"/>
+              </a:lnSpc>
+            </a:pPr>
+            <a:r>
+              <a:rPr lang="en-US" altLang="en-US" sz="3500" dirty="0" smtClean="0"/>
+              <a:t>Keep track of whether each block is dirty</a:t>
+            </a:r>
+          </a:p>
+          <a:p>
+            <a:pPr>
+              <a:lnSpc>
+                <a:spcPct val="150000"/>
+              </a:lnSpc>
+            </a:pPr>
+            <a:r>
+              <a:rPr lang="en-US" altLang="en-US" sz="3900" dirty="0" smtClean="0"/>
+              <a:t>When a dirty block is replaced</a:t>
+            </a:r>
+          </a:p>
+          <a:p>
+            <a:pPr lvl="1">
+              <a:lnSpc>
+                <a:spcPct val="150000"/>
+              </a:lnSpc>
+            </a:pPr>
+            <a:r>
+              <a:rPr lang="en-US" altLang="en-US" sz="3500" dirty="0" smtClean="0"/>
+              <a:t>Write it back to memory</a:t>
+            </a:r>
+          </a:p>
+          <a:p>
+            <a:pPr lvl="1">
+              <a:lnSpc>
+                <a:spcPct val="150000"/>
+              </a:lnSpc>
+            </a:pPr>
+            <a:r>
+              <a:rPr lang="en-US" altLang="en-US" sz="3500" dirty="0" smtClean="0"/>
+              <a:t>Can use a write buffer to allow replacing block to be read </a:t>
+            </a:r>
+            <a:r>
+              <a:rPr lang="en-US" altLang="en-US" sz="3500" dirty="0" smtClean="0"/>
+              <a:t>first</a:t>
+            </a:r>
+            <a:endParaRPr lang="en-AU" altLang="en-US" sz="3500" dirty="0" smtClean="0"/>
+          </a:p>
+        </p:txBody>
+      </p:sp>
+      <p:sp>
+        <p:nvSpPr>
+          <p:cNvPr id="3" name="Номер слайда 2"/>
+          <p:cNvSpPr>
+            <a:spLocks noGrp="1"/>
+          </p:cNvSpPr>
+          <p:nvPr>
+            <p:ph type="sldNum" sz="quarter" idx="12"/>
+          </p:nvPr>
+        </p:nvSpPr>
+        <p:spPr/>
+        <p:txBody>
+          <a:bodyPr/>
+          <a:lstStyle/>
+          <a:p>
+            <a:pPr algn="ctr"/>
+            <a:fld id="{1397BFD8-F312-4EF2-A268-44FB4BDDBBB0}" type="slidenum">
+              <a:rPr lang="ru-RU" smtClean="0"/>
+              <a:pPr algn="ctr"/>
+              <a:t>27</a:t>
+            </a:fld>
+            <a:endParaRPr lang="ru-RU" dirty="0"/>
+          </a:p>
+        </p:txBody>
+      </p:sp>
+      <p:sp>
+        <p:nvSpPr>
+          <p:cNvPr id="4" name="Заголовок 3"/>
+          <p:cNvSpPr>
+            <a:spLocks noGrp="1"/>
+          </p:cNvSpPr>
+          <p:nvPr>
+            <p:ph type="title"/>
+          </p:nvPr>
+        </p:nvSpPr>
+        <p:spPr/>
+        <p:txBody>
+          <a:bodyPr/>
+          <a:lstStyle/>
+          <a:p>
+            <a:r>
+              <a:rPr lang="en-US" altLang="en-US" dirty="0" smtClean="0"/>
+              <a:t>Write-Back</a:t>
+            </a:r>
+            <a:endParaRPr lang="ru-RU" dirty="0"/>
+          </a:p>
+        </p:txBody>
+      </p:sp>
+    </p:spTree>
+  </p:cSld>
+  <p:clrMapOvr>
+    <a:masterClrMapping/>
+  </p:clrMapOvr>
+</p:sld>
+</file>
+
+<file path=ppt/slides/slide28.xml><?xml version="1.0" encoding="utf-8"?>
+<p:sld xmlns:a="http://schemas.openxmlformats.org/drawingml/2006/main" xmlns:r="http://schemas.openxmlformats.org/officeDocument/2006/relationships" xmlns:p="http://schemas.openxmlformats.org/presentationml/2006/main">
+  <p:cSld>
+    <p:spTree>
+      <p:nvGrpSpPr>
+        <p:cNvPr id="1" name=""/>
+        <p:cNvGrpSpPr/>
+        <p:nvPr/>
+      </p:nvGrpSpPr>
+      <p:grpSpPr>
+        <a:xfrm>
+          <a:off x="0" y="0"/>
+          <a:ext cx="0" cy="0"/>
+          <a:chOff x="0" y="0"/>
+          <a:chExt cx="0" cy="0"/>
+        </a:xfrm>
+      </p:grpSpPr>
+      <p:sp>
+        <p:nvSpPr>
+          <p:cNvPr id="2" name="Содержимое 1"/>
+          <p:cNvSpPr>
+            <a:spLocks noGrp="1"/>
+          </p:cNvSpPr>
+          <p:nvPr>
+            <p:ph idx="1"/>
+          </p:nvPr>
+        </p:nvSpPr>
+        <p:spPr>
+          <a:xfrm>
+            <a:off x="838200" y="1178052"/>
+            <a:ext cx="10515600" cy="5298947"/>
+          </a:xfrm>
+        </p:spPr>
+        <p:txBody>
+          <a:bodyPr>
+            <a:normAutofit/>
+          </a:bodyPr>
+          <a:lstStyle/>
+          <a:p>
+            <a:pPr>
+              <a:spcBef>
+                <a:spcPts val="1800"/>
+              </a:spcBef>
+            </a:pPr>
+            <a:r>
+              <a:rPr lang="en-US" altLang="en-US" dirty="0" smtClean="0"/>
+              <a:t>What should happen on a write miss?</a:t>
+            </a:r>
+          </a:p>
+          <a:p>
+            <a:pPr>
+              <a:spcBef>
+                <a:spcPts val="1800"/>
+              </a:spcBef>
+            </a:pPr>
+            <a:r>
+              <a:rPr lang="en-US" altLang="en-US" dirty="0" smtClean="0"/>
+              <a:t>Alternatives for write-through</a:t>
+            </a:r>
+          </a:p>
+          <a:p>
+            <a:pPr lvl="1">
+              <a:spcBef>
+                <a:spcPts val="1800"/>
+              </a:spcBef>
+            </a:pPr>
+            <a:r>
+              <a:rPr lang="en-US" altLang="en-US" dirty="0" smtClean="0"/>
+              <a:t>Allocate on miss: fetch the block</a:t>
+            </a:r>
+          </a:p>
+          <a:p>
+            <a:pPr lvl="1">
+              <a:spcBef>
+                <a:spcPts val="1800"/>
+              </a:spcBef>
+            </a:pPr>
+            <a:r>
+              <a:rPr lang="en-US" altLang="en-US" dirty="0" smtClean="0"/>
+              <a:t>Write around: don’t fetch the block</a:t>
+            </a:r>
+          </a:p>
+          <a:p>
+            <a:pPr lvl="2">
+              <a:spcBef>
+                <a:spcPts val="1800"/>
+              </a:spcBef>
+            </a:pPr>
+            <a:r>
+              <a:rPr lang="en-US" altLang="en-US" sz="2800" dirty="0" smtClean="0"/>
+              <a:t>Since programs often write a whole block before reading it (e.g., initialization)</a:t>
+            </a:r>
+          </a:p>
+          <a:p>
+            <a:pPr>
+              <a:spcBef>
+                <a:spcPts val="1800"/>
+              </a:spcBef>
+            </a:pPr>
+            <a:r>
+              <a:rPr lang="en-US" altLang="en-US" dirty="0" smtClean="0"/>
+              <a:t>For write-back</a:t>
+            </a:r>
+          </a:p>
+          <a:p>
+            <a:pPr lvl="1">
+              <a:spcBef>
+                <a:spcPts val="1800"/>
+              </a:spcBef>
+            </a:pPr>
+            <a:r>
+              <a:rPr lang="en-US" altLang="en-US" dirty="0" smtClean="0"/>
+              <a:t>Usually fetch the </a:t>
+            </a:r>
+            <a:r>
+              <a:rPr lang="en-US" altLang="en-US" dirty="0" smtClean="0"/>
+              <a:t>block</a:t>
+            </a:r>
+            <a:endParaRPr lang="en-AU" altLang="en-US" dirty="0" smtClean="0"/>
+          </a:p>
+        </p:txBody>
+      </p:sp>
+      <p:sp>
+        <p:nvSpPr>
+          <p:cNvPr id="3" name="Номер слайда 2"/>
+          <p:cNvSpPr>
+            <a:spLocks noGrp="1"/>
+          </p:cNvSpPr>
+          <p:nvPr>
+            <p:ph type="sldNum" sz="quarter" idx="12"/>
+          </p:nvPr>
+        </p:nvSpPr>
+        <p:spPr/>
+        <p:txBody>
+          <a:bodyPr/>
+          <a:lstStyle/>
+          <a:p>
+            <a:pPr algn="ctr"/>
+            <a:fld id="{1397BFD8-F312-4EF2-A268-44FB4BDDBBB0}" type="slidenum">
+              <a:rPr lang="ru-RU" smtClean="0"/>
+              <a:pPr algn="ctr"/>
+              <a:t>28</a:t>
+            </a:fld>
+            <a:endParaRPr lang="ru-RU" dirty="0"/>
+          </a:p>
+        </p:txBody>
+      </p:sp>
+      <p:sp>
+        <p:nvSpPr>
+          <p:cNvPr id="4" name="Заголовок 3"/>
+          <p:cNvSpPr>
+            <a:spLocks noGrp="1"/>
+          </p:cNvSpPr>
+          <p:nvPr>
+            <p:ph type="title"/>
+          </p:nvPr>
+        </p:nvSpPr>
+        <p:spPr/>
+        <p:txBody>
+          <a:bodyPr/>
+          <a:lstStyle/>
+          <a:p>
+            <a:r>
+              <a:rPr lang="en-US" altLang="en-US" dirty="0" smtClean="0"/>
+              <a:t>Write Allocation</a:t>
+            </a:r>
+            <a:endParaRPr lang="ru-RU" dirty="0"/>
+          </a:p>
+        </p:txBody>
+      </p:sp>
+    </p:spTree>
+  </p:cSld>
+  <p:clrMapOvr>
+    <a:masterClrMapping/>
+  </p:clrMapOvr>
+</p:sld>
+</file>
+
+<file path=ppt/slides/slide29.xml><?xml version="1.0" encoding="utf-8"?>
 <p:sld xmlns:a="http://schemas.openxmlformats.org/drawingml/2006/main" xmlns:r="http://schemas.openxmlformats.org/officeDocument/2006/relationships" xmlns:p="http://schemas.openxmlformats.org/presentationml/2006/main">
   <p:cSld>
     <p:spTree>
@@ -31091,7 +33287,7 @@
             <a:fld id="{1397BFD8-F312-4EF2-A268-44FB4BDDBBB0}" type="slidenum">
               <a:rPr lang="ru-RU" smtClean="0"/>
               <a:pPr algn="ctr"/>
-              <a:t>19</a:t>
+              <a:t>29</a:t>
             </a:fld>
             <a:endParaRPr lang="ru-RU" dirty="0"/>
           </a:p>
@@ -31103,174 +33299,6 @@
         <p14:creationId xmlns:p14="http://schemas.microsoft.com/office/powerpoint/2010/main" xmlns="" val="4217875043"/>
       </p:ext>
     </p:extLst>
-  </p:cSld>
-  <p:clrMapOvr>
-    <a:masterClrMapping/>
-  </p:clrMapOvr>
-  <p:timing>
-    <p:tnLst>
-      <p:par>
-        <p:cTn id="1" dur="indefinite" restart="never" nodeType="tmRoot"/>
-      </p:par>
-    </p:tnLst>
-  </p:timing>
-</p:sld>
-</file>
-
-<file path=ppt/slides/slide2.xml><?xml version="1.0" encoding="utf-8"?>
-<p:sld xmlns:a="http://schemas.openxmlformats.org/drawingml/2006/main" xmlns:r="http://schemas.openxmlformats.org/officeDocument/2006/relationships" xmlns:p="http://schemas.openxmlformats.org/presentationml/2006/main">
-  <p:cSld>
-    <p:spTree>
-      <p:nvGrpSpPr>
-        <p:cNvPr id="1" name=""/>
-        <p:cNvGrpSpPr/>
-        <p:nvPr/>
-      </p:nvGrpSpPr>
-      <p:grpSpPr>
-        <a:xfrm>
-          <a:off x="0" y="0"/>
-          <a:ext cx="0" cy="0"/>
-          <a:chOff x="0" y="0"/>
-          <a:chExt cx="0" cy="0"/>
-        </a:xfrm>
-      </p:grpSpPr>
-      <p:sp>
-        <p:nvSpPr>
-          <p:cNvPr id="2" name="Содержимое 1"/>
-          <p:cNvSpPr>
-            <a:spLocks noGrp="1"/>
-          </p:cNvSpPr>
-          <p:nvPr>
-            <p:ph idx="1"/>
-          </p:nvPr>
-        </p:nvSpPr>
-        <p:spPr>
-          <a:xfrm>
-            <a:off x="838200" y="1061941"/>
-            <a:ext cx="10515600" cy="1840918"/>
-          </a:xfrm>
-        </p:spPr>
-        <p:txBody>
-          <a:bodyPr/>
-          <a:lstStyle/>
-          <a:p>
-            <a:pPr>
-              <a:lnSpc>
-                <a:spcPct val="100000"/>
-              </a:lnSpc>
-              <a:spcBef>
-                <a:spcPts val="600"/>
-              </a:spcBef>
-            </a:pPr>
-            <a:r>
-              <a:rPr lang="en-US" dirty="0" smtClean="0"/>
-              <a:t>Computer performance depends on:</a:t>
-            </a:r>
-          </a:p>
-          <a:p>
-            <a:pPr lvl="1">
-              <a:lnSpc>
-                <a:spcPct val="100000"/>
-              </a:lnSpc>
-              <a:spcBef>
-                <a:spcPts val="600"/>
-              </a:spcBef>
-            </a:pPr>
-            <a:r>
-              <a:rPr lang="en-US" dirty="0" smtClean="0"/>
-              <a:t>Processor performance</a:t>
-            </a:r>
-          </a:p>
-          <a:p>
-            <a:pPr lvl="1">
-              <a:lnSpc>
-                <a:spcPct val="100000"/>
-              </a:lnSpc>
-              <a:spcBef>
-                <a:spcPts val="600"/>
-              </a:spcBef>
-            </a:pPr>
-            <a:r>
-              <a:rPr lang="en-US" dirty="0" smtClean="0"/>
-              <a:t>Memory performance</a:t>
-            </a:r>
-            <a:endParaRPr lang="ru-RU" dirty="0"/>
-          </a:p>
-        </p:txBody>
-      </p:sp>
-      <p:sp>
-        <p:nvSpPr>
-          <p:cNvPr id="3" name="Номер слайда 2"/>
-          <p:cNvSpPr>
-            <a:spLocks noGrp="1"/>
-          </p:cNvSpPr>
-          <p:nvPr>
-            <p:ph type="sldNum" sz="quarter" idx="12"/>
-          </p:nvPr>
-        </p:nvSpPr>
-        <p:spPr/>
-        <p:txBody>
-          <a:bodyPr/>
-          <a:lstStyle/>
-          <a:p>
-            <a:pPr algn="ctr"/>
-            <a:fld id="{1397BFD8-F312-4EF2-A268-44FB4BDDBBB0}" type="slidenum">
-              <a:rPr lang="ru-RU" smtClean="0"/>
-              <a:pPr algn="ctr"/>
-              <a:t>2</a:t>
-            </a:fld>
-            <a:endParaRPr lang="ru-RU" dirty="0"/>
-          </a:p>
-        </p:txBody>
-      </p:sp>
-      <p:sp>
-        <p:nvSpPr>
-          <p:cNvPr id="4" name="Заголовок 3"/>
-          <p:cNvSpPr>
-            <a:spLocks noGrp="1"/>
-          </p:cNvSpPr>
-          <p:nvPr>
-            <p:ph type="title"/>
-          </p:nvPr>
-        </p:nvSpPr>
-        <p:spPr/>
-        <p:txBody>
-          <a:bodyPr/>
-          <a:lstStyle/>
-          <a:p>
-            <a:r>
-              <a:rPr lang="en-US" dirty="0" smtClean="0"/>
-              <a:t>Processor-Memory Performance Gap</a:t>
-            </a:r>
-            <a:endParaRPr lang="ru-RU" dirty="0"/>
-          </a:p>
-        </p:txBody>
-      </p:sp>
-      <p:pic>
-        <p:nvPicPr>
-          <p:cNvPr id="5" name="Picture 4"/>
-          <p:cNvPicPr>
-            <a:picLocks noChangeAspect="1"/>
-          </p:cNvPicPr>
-          <p:nvPr/>
-        </p:nvPicPr>
-        <p:blipFill>
-          <a:blip r:embed="rId2" cstate="print"/>
-          <a:stretch>
-            <a:fillRect/>
-          </a:stretch>
-        </p:blipFill>
-        <p:spPr>
-          <a:xfrm>
-            <a:off x="2611655" y="2781163"/>
-            <a:ext cx="7989570" cy="4003358"/>
-          </a:xfrm>
-          <a:prstGeom prst="rect">
-            <a:avLst/>
-          </a:prstGeom>
-        </p:spPr>
-      </p:pic>
-    </p:spTree>
   </p:cSld>
   <p:clrMapOvr>
     <a:masterClrMapping/>
@@ -32342,8 +34370,20 @@
           <a:lstStyle/>
           <a:p>
             <a:r>
+              <a:rPr lang="en-US" altLang="en-US" b="1" dirty="0" smtClean="0"/>
+              <a:t>Block</a:t>
+            </a:r>
+            <a:r>
               <a:rPr lang="en-US" altLang="en-US" dirty="0" smtClean="0"/>
-              <a:t>Block (aka line): unit of copying</a:t>
+              <a:t> (aka </a:t>
+            </a:r>
+            <a:r>
+              <a:rPr lang="en-US" altLang="en-US" b="1" dirty="0" smtClean="0"/>
+              <a:t>line</a:t>
+            </a:r>
+            <a:r>
+              <a:rPr lang="en-US" altLang="en-US" dirty="0" smtClean="0"/>
+              <a:t>): unit of copying</a:t>
             </a:r>
           </a:p>
           <a:p>
@@ -32362,8 +34402,12 @@
           <a:p>
             <a:pPr lvl="1"/>
             <a:r>
+              <a:rPr lang="en-US" altLang="en-US" b="1" dirty="0" smtClean="0"/>
+              <a:t>Hit</a:t>
+            </a:r>
+            <a:r>
               <a:rPr lang="en-US" altLang="en-US" dirty="0" smtClean="0"/>
-              <a:t>Hit: access satisfied by upper level</a:t>
+              <a:t>: access satisfied by upper level</a:t>
             </a:r>
           </a:p>
           <a:p>
@@ -32382,8 +34426,12 @@
           <a:p>
             <a:pPr lvl="1"/>
             <a:r>
+              <a:rPr lang="en-US" altLang="en-US" b="1" dirty="0" smtClean="0"/>
+              <a:t>Miss</a:t>
+            </a:r>
+            <a:r>
               <a:rPr lang="en-US" altLang="en-US" dirty="0" smtClean="0"/>
-              <a:t>Miss: block copied from lower level</a:t>
+              <a:t>: block copied from lower level</a:t>
             </a:r>
           </a:p>
           <a:p>
@@ -32455,7 +34503,15 @@
           <a:p>
             <a:r>
               <a:rPr lang="en-US" dirty="0" smtClean="0"/>
-              <a:t>How it works?</a:t>
+              <a:t>How </a:t>
+            </a:r>
+            <a:r>
+              <a:rPr lang="en-US" dirty="0" smtClean="0"/>
+              <a:t>It Works</a:t>
+            </a:r>
+            <a:r>
+              <a:rPr lang="en-US" dirty="0" smtClean="0"/>
+              <a:t>?</a:t>
             </a:r>
             <a:endParaRPr lang="ru-RU" dirty="0"/>
           </a:p>
@@ -34158,7 +36214,7 @@
         </p:nvSpPr>
         <p:spPr>
           <a:xfrm>
-            <a:off x="10246995" y="4075430"/>
+            <a:off x="10252281" y="4075430"/>
             <a:ext cx="114300" cy="152400"/>
           </a:xfrm>
           <a:prstGeom prst="rect">
@@ -34254,7 +36310,7 @@
         </p:nvSpPr>
         <p:spPr>
           <a:xfrm>
-            <a:off x="10252901" y="3923046"/>
+            <a:off x="10252901" y="3928332"/>
             <a:ext cx="114300" cy="152400"/>
           </a:xfrm>
           <a:prstGeom prst="rect">
@@ -34302,7 +36358,7 @@
         </p:nvSpPr>
         <p:spPr>
           <a:xfrm>
-            <a:off x="10252901" y="4380246"/>
+            <a:off x="10252901" y="4385009"/>
             <a:ext cx="114300" cy="152400"/>
           </a:xfrm>
           <a:prstGeom prst="rect">
@@ -34350,7 +36406,7 @@
         </p:nvSpPr>
         <p:spPr>
           <a:xfrm>
-            <a:off x="10817225" y="4079875"/>
+            <a:off x="10821988" y="4079875"/>
             <a:ext cx="114300" cy="152400"/>
           </a:xfrm>
           <a:prstGeom prst="rect">
@@ -34878,7 +36934,7 @@
         </p:nvSpPr>
         <p:spPr>
           <a:xfrm>
-            <a:off x="10813300" y="5330841"/>
+            <a:off x="10808537" y="5330841"/>
             <a:ext cx="114300" cy="152400"/>
           </a:xfrm>
           <a:prstGeom prst="rect">
@@ -34926,7 +36982,7 @@
         </p:nvSpPr>
         <p:spPr>
           <a:xfrm>
-            <a:off x="10922826" y="5330841"/>
+            <a:off x="10918063" y="5330841"/>
             <a:ext cx="114300" cy="152400"/>
           </a:xfrm>
           <a:prstGeom prst="rect">
@@ -35070,7 +37126,7 @@
         </p:nvSpPr>
         <p:spPr>
           <a:xfrm>
-            <a:off x="11037126" y="5330841"/>
+            <a:off x="11032363" y="5330841"/>
             <a:ext cx="114300" cy="152400"/>
           </a:xfrm>
           <a:prstGeom prst="rect">
@@ -35454,7 +37510,7 @@
         </p:nvSpPr>
         <p:spPr>
           <a:xfrm>
-            <a:off x="10586276" y="5791216"/>
+            <a:off x="10586276" y="5786453"/>
             <a:ext cx="114300" cy="152400"/>
           </a:xfrm>
           <a:prstGeom prst="rect">
@@ -35598,7 +37654,7 @@
         </p:nvSpPr>
         <p:spPr>
           <a:xfrm>
-            <a:off x="11151426" y="5330841"/>
+            <a:off x="11146663" y="5330841"/>
             <a:ext cx="114300" cy="152400"/>
           </a:xfrm>
           <a:prstGeom prst="rect">
@@ -35886,7 +37942,7 @@
         </p:nvSpPr>
         <p:spPr>
           <a:xfrm>
-            <a:off x="10583101" y="5178441"/>
+            <a:off x="10583101" y="5183727"/>
             <a:ext cx="114300" cy="152400"/>
           </a:xfrm>
           <a:prstGeom prst="rect">
@@ -35982,7 +38038,7 @@
         </p:nvSpPr>
         <p:spPr>
           <a:xfrm>
-            <a:off x="10474325" y="5486400"/>
+            <a:off x="10479088" y="5486400"/>
             <a:ext cx="114300" cy="152400"/>
           </a:xfrm>
           <a:prstGeom prst="rect">
@@ -36126,7 +38182,7 @@
         </p:nvSpPr>
         <p:spPr>
           <a:xfrm>
-            <a:off x="10475151" y="5791216"/>
+            <a:off x="10475151" y="5786453"/>
             <a:ext cx="114300" cy="152400"/>
           </a:xfrm>
           <a:prstGeom prst="rect">
@@ -36174,7 +38230,7 @@
         </p:nvSpPr>
         <p:spPr>
           <a:xfrm>
-            <a:off x="10471976" y="5178441"/>
+            <a:off x="10477262" y="5183727"/>
             <a:ext cx="114300" cy="152400"/>
           </a:xfrm>
           <a:prstGeom prst="rect">
@@ -36414,7 +38470,7 @@
         </p:nvSpPr>
         <p:spPr>
           <a:xfrm>
-            <a:off x="11259376" y="5184791"/>
+            <a:off x="11264139" y="5180028"/>
             <a:ext cx="114300" cy="152400"/>
           </a:xfrm>
           <a:prstGeom prst="rect">
@@ -36498,13 +38554,13 @@
         </p:nvSpPr>
         <p:spPr>
           <a:xfrm>
-            <a:off x="749300" y="1178052"/>
-            <a:ext cx="11049000" cy="5451348"/>
+            <a:off x="838200" y="1178052"/>
+            <a:ext cx="10515600" cy="5248147"/>
           </a:xfrm>
         </p:spPr>
         <p:txBody>
           <a:bodyPr>
-            <a:normAutofit fontScale="92500"/>
+            <a:normAutofit/>
           </a:bodyPr>
           <a:lstStyle/>
           <a:p>
@@ -36513,16 +38569,12 @@
                 <a:spcPct val="100000"/>
               </a:lnSpc>
               <a:spcBef>
-                <a:spcPts val="1800"/>
+                <a:spcPts val="1200"/>
               </a:spcBef>
             </a:pPr>
             <a:r>
-              <a:rPr lang="en-US" b="1" dirty="0" smtClean="0"/>
-              <a:t>Hit</a:t>
-            </a:r>
-            <a:r>
-              <a:rPr lang="en-US" dirty="0" smtClean="0"/>
-              <a:t>: data found in that level of memory hierarchy</a:t>
+              <a:rPr lang="en-US" altLang="en-US" dirty="0" smtClean="0"/>
+              <a:t>On cache hit, CPU proceeds normally</a:t>
             </a:r>
           </a:p>
           <a:p>
@@ -36531,16 +38583,12 @@
                 <a:spcPct val="100000"/>
               </a:lnSpc>
               <a:spcBef>
-                <a:spcPts val="1800"/>
+                <a:spcPts val="1200"/>
               </a:spcBef>
             </a:pPr>
             <a:r>
-              <a:rPr lang="en-US" b="1" dirty="0" smtClean="0"/>
-              <a:t>Miss</a:t>
-            </a:r>
-            <a:r>
-              <a:rPr lang="en-US" dirty="0" smtClean="0"/>
-              <a:t>: data not found (must go to next level)</a:t>
+              <a:rPr lang="en-US" altLang="en-US" dirty="0" smtClean="0"/>
+              <a:t>On cache miss</a:t>
             </a:r>
           </a:p>
           <a:p>
@@ -36549,16 +38597,12 @@
                 <a:spcPct val="100000"/>
               </a:lnSpc>
               <a:spcBef>
-                <a:spcPts val="1800"/>
+                <a:spcPts val="1200"/>
               </a:spcBef>
             </a:pPr>
             <a:r>
-              <a:rPr lang="en-US" sz="3600" b="1" dirty="0" smtClean="0"/>
-              <a:t> Hit Rate    </a:t>
-            </a:r>
-            <a:r>
-              <a:rPr lang="en-US" sz="3600" dirty="0" smtClean="0"/>
-              <a:t>= # hits / # memory accesses      = 1 – Miss Rate</a:t>
+              <a:rPr lang="en-US" altLang="en-US" dirty="0" smtClean="0"/>
+              <a:t>Stall the CPU pipeline</a:t>
             </a:r>
           </a:p>
           <a:p>
@@ -36567,38 +38611,12 @@
                 <a:spcPct val="100000"/>
               </a:lnSpc>
               <a:spcBef>
-                <a:spcPts val="1800"/>
+                <a:spcPts val="1200"/>
               </a:spcBef>
             </a:pPr>
             <a:r>
-              <a:rPr lang="en-US" sz="3600" dirty="0" smtClean="0"/>
-              <a:t> </a:t>
-            </a:r>
-            <a:r>
-              <a:rPr lang="en-US" sz="3600" b="1" dirty="0" smtClean="0"/>
-              <a:t>Miss Rate </a:t>
-            </a:r>
-            <a:r>
-              <a:rPr lang="en-US" sz="3600" dirty="0" smtClean="0"/>
-              <a:t>= # misses / # memory accesses = 1 – Hit Rate</a:t>
-            </a:r>
-          </a:p>
-          <a:p>
-            <a:pPr>
-              <a:lnSpc>
-                <a:spcPct val="100000"/>
-              </a:lnSpc>
-              <a:spcBef>
-                <a:spcPts val="1800"/>
-              </a:spcBef>
-            </a:pPr>
-            <a:r>
-              <a:rPr lang="en-US" b="1" dirty="0" smtClean="0"/>
-              <a:t>Average memory access time (AMAT): </a:t>
-            </a:r>
-            <a:r>
-              <a:rPr lang="en-US" dirty="0" smtClean="0"/>
-              <a:t>average time for processor to access data</a:t>
+              <a:rPr lang="en-US" altLang="en-US" dirty="0" smtClean="0"/>
+              <a:t>Fetch block from next level of hierarchy</a:t>
             </a:r>
           </a:p>
           <a:p>
@@ -36607,77 +38625,60 @@
                 <a:spcPct val="100000"/>
               </a:lnSpc>
               <a:spcBef>
-                <a:spcPts val="1800"/>
+                <a:spcPts val="1200"/>
               </a:spcBef>
             </a:pPr>
             <a:r>
-              <a:rPr lang="en-US" dirty="0" smtClean="0"/>
-              <a:t>	</a:t>
+              <a:rPr lang="en-US" altLang="en-US" sz="3600" dirty="0" smtClean="0"/>
+              <a:t>Instruction cache miss</a:t>
+            </a:r>
+          </a:p>
+          <a:p>
+            <a:pPr lvl="2">
+              <a:lnSpc>
+                <a:spcPct val="100000"/>
+              </a:lnSpc>
+              <a:spcBef>
+                <a:spcPts val="1200"/>
+              </a:spcBef>
+            </a:pPr>
+            <a:r>
+              <a:rPr lang="en-US" altLang="en-US" sz="2800" dirty="0" smtClean="0"/>
+              <a:t>Restart instruction fetch</a:t>
+            </a:r>
+          </a:p>
+          <a:p>
+            <a:pPr lvl="1">
+              <a:lnSpc>
+                <a:spcPct val="100000"/>
+              </a:lnSpc>
+              <a:spcBef>
+                <a:spcPts val="1200"/>
+              </a:spcBef>
+            </a:pPr>
+            <a:r>
+              <a:rPr lang="en-US" altLang="en-US" dirty="0" smtClean="0"/>
+              <a:t>Data cache miss</a:t>
+            </a:r>
+          </a:p>
+          <a:p>
+            <a:pPr lvl="2">
+              <a:lnSpc>
+                <a:spcPct val="100000"/>
+              </a:lnSpc>
+              <a:spcBef>
+                <a:spcPts val="1200"/>
+              </a:spcBef>
+            </a:pPr>
+            <a:r>
+              <a:rPr lang="en-US" altLang="en-US" sz="2800" dirty="0" smtClean="0"/>
+              <a:t>Complete data </a:t>
             </a:r>
             <a:r>
-              <a:rPr lang="en-US" sz="3600" b="1" dirty="0" smtClean="0"/>
-              <a:t>AMAT</a:t>
+              <a:rPr lang="en-US" altLang="en-US" sz="2800" dirty="0" smtClean="0"/>
+              <a:t>access</a:t>
             </a:r>
-            <a:r>
-              <a:rPr lang="en-US" sz="3600" dirty="0" smtClean="0"/>
-              <a:t> = </a:t>
-            </a:r>
-            <a:r>
-              <a:rPr lang="en-US" sz="3600" dirty="0" err="1" smtClean="0"/>
-              <a:t>t</a:t>
-            </a:r>
-            <a:r>
-              <a:rPr lang="en-US" sz="3600" baseline="-25000" dirty="0" err="1" smtClean="0"/>
-              <a:t>cache</a:t>
-            </a:r>
-            <a:r>
-              <a:rPr lang="en-US" sz="3600" dirty="0" smtClean="0"/>
-              <a:t> + </a:t>
-            </a:r>
-            <a:r>
-              <a:rPr lang="en-US" sz="3600" dirty="0" err="1" smtClean="0"/>
-              <a:t>MR</a:t>
-            </a:r>
-            <a:r>
-              <a:rPr lang="en-US" sz="3600" baseline="-25000" dirty="0" err="1" smtClean="0"/>
-              <a:t>cache</a:t>
-            </a:r>
-            <a:r>
-              <a:rPr lang="en-US" sz="3600" dirty="0" smtClean="0"/>
-              <a:t>[</a:t>
-            </a:r>
-            <a:r>
-              <a:rPr lang="en-US" sz="3600" dirty="0" err="1" smtClean="0"/>
-              <a:t>t</a:t>
-            </a:r>
-            <a:r>
-              <a:rPr lang="en-US" sz="3600" baseline="-25000" dirty="0" err="1" smtClean="0"/>
-              <a:t>MM</a:t>
-            </a:r>
-            <a:r>
-              <a:rPr lang="en-US" sz="3600" dirty="0" smtClean="0"/>
-              <a:t> + MR</a:t>
-            </a:r>
-            <a:r>
-              <a:rPr lang="en-US" sz="3600" baseline="-25000" dirty="0" smtClean="0"/>
-              <a:t>MM</a:t>
-            </a:r>
-            <a:r>
-              <a:rPr lang="en-US" sz="3600" dirty="0" smtClean="0"/>
-              <a:t>(</a:t>
-            </a:r>
-            <a:r>
-              <a:rPr lang="en-US" sz="3600" dirty="0" err="1" smtClean="0"/>
-              <a:t>t</a:t>
-            </a:r>
-            <a:r>
-              <a:rPr lang="en-US" sz="3600" baseline="-25000" dirty="0" err="1" smtClean="0"/>
-              <a:t>VM</a:t>
-            </a:r>
-            <a:r>
-              <a:rPr lang="en-US" sz="3600" dirty="0" smtClean="0"/>
-              <a:t>)]</a:t>
-            </a:r>
+            <a:endParaRPr lang="en-AU" altLang="en-US" sz="2800" dirty="0" smtClean="0"/>
           </a:p>
         </p:txBody>
       </p:sp>
@@ -36723,7 +38724,7 @@
           <a:p>
             <a:r>
               <a:rPr lang="en-US" dirty="0" smtClean="0"/>
-              <a:t>Memory Performance</a:t>
+              <a:t>Hits and Misses</a:t>
             </a:r>
             <a:endParaRPr lang="ru-RU" dirty="0"/>
           </a:p>
@@ -36734,6 +38735,13 @@
   <p:clrMapOvr>
     <a:masterClrMapping/>
   </p:clrMapOvr>
+  <p:timing>
+    <p:tnLst>
+      <p:par>
+        <p:cTn id="1" dur="indefinite" restart="never" nodeType="tmRoot"/>
+      </p:par>
+    </p:tnLst>
+  </p:timing>
 </p:sld>
 </file>
 
